--- a/Documents/행렬 계산의 주요 특징.pptx
+++ b/Documents/행렬 계산의 주요 특징.pptx
@@ -7,13 +7,14 @@
   <p:sldIdLst>
     <p:sldId id="256" r:id="rId2"/>
     <p:sldId id="288" r:id="rId3"/>
-    <p:sldId id="297" r:id="rId4"/>
-    <p:sldId id="298" r:id="rId5"/>
-    <p:sldId id="299" r:id="rId6"/>
-    <p:sldId id="303" r:id="rId7"/>
-    <p:sldId id="300" r:id="rId8"/>
-    <p:sldId id="301" r:id="rId9"/>
-    <p:sldId id="302" r:id="rId10"/>
+    <p:sldId id="304" r:id="rId4"/>
+    <p:sldId id="297" r:id="rId5"/>
+    <p:sldId id="298" r:id="rId6"/>
+    <p:sldId id="299" r:id="rId7"/>
+    <p:sldId id="303" r:id="rId8"/>
+    <p:sldId id="300" r:id="rId9"/>
+    <p:sldId id="301" r:id="rId10"/>
+    <p:sldId id="302" r:id="rId11"/>
   </p:sldIdLst>
   <p:sldSz cx="12192000" cy="6858000"/>
   <p:notesSz cx="6858000" cy="9144000"/>
@@ -267,7 +268,7 @@
           <a:p>
             <a:fld id="{20FDF2D6-8C5E-4A0C-AD78-AB907B009066}" type="datetimeFigureOut">
               <a:rPr lang="ko-KR" altLang="en-US" smtClean="0"/>
-              <a:t>2025-09-14</a:t>
+              <a:t>2025-09-21</a:t>
             </a:fld>
             <a:endParaRPr lang="ko-KR" altLang="en-US"/>
           </a:p>
@@ -465,7 +466,7 @@
           <a:p>
             <a:fld id="{20FDF2D6-8C5E-4A0C-AD78-AB907B009066}" type="datetimeFigureOut">
               <a:rPr lang="ko-KR" altLang="en-US" smtClean="0"/>
-              <a:t>2025-09-14</a:t>
+              <a:t>2025-09-21</a:t>
             </a:fld>
             <a:endParaRPr lang="ko-KR" altLang="en-US"/>
           </a:p>
@@ -673,7 +674,7 @@
           <a:p>
             <a:fld id="{20FDF2D6-8C5E-4A0C-AD78-AB907B009066}" type="datetimeFigureOut">
               <a:rPr lang="ko-KR" altLang="en-US" smtClean="0"/>
-              <a:t>2025-09-14</a:t>
+              <a:t>2025-09-21</a:t>
             </a:fld>
             <a:endParaRPr lang="ko-KR" altLang="en-US"/>
           </a:p>
@@ -871,7 +872,7 @@
           <a:p>
             <a:fld id="{20FDF2D6-8C5E-4A0C-AD78-AB907B009066}" type="datetimeFigureOut">
               <a:rPr lang="ko-KR" altLang="en-US" smtClean="0"/>
-              <a:t>2025-09-14</a:t>
+              <a:t>2025-09-21</a:t>
             </a:fld>
             <a:endParaRPr lang="ko-KR" altLang="en-US"/>
           </a:p>
@@ -1146,7 +1147,7 @@
           <a:p>
             <a:fld id="{20FDF2D6-8C5E-4A0C-AD78-AB907B009066}" type="datetimeFigureOut">
               <a:rPr lang="ko-KR" altLang="en-US" smtClean="0"/>
-              <a:t>2025-09-14</a:t>
+              <a:t>2025-09-21</a:t>
             </a:fld>
             <a:endParaRPr lang="ko-KR" altLang="en-US"/>
           </a:p>
@@ -1411,7 +1412,7 @@
           <a:p>
             <a:fld id="{20FDF2D6-8C5E-4A0C-AD78-AB907B009066}" type="datetimeFigureOut">
               <a:rPr lang="ko-KR" altLang="en-US" smtClean="0"/>
-              <a:t>2025-09-14</a:t>
+              <a:t>2025-09-21</a:t>
             </a:fld>
             <a:endParaRPr lang="ko-KR" altLang="en-US"/>
           </a:p>
@@ -1823,7 +1824,7 @@
           <a:p>
             <a:fld id="{20FDF2D6-8C5E-4A0C-AD78-AB907B009066}" type="datetimeFigureOut">
               <a:rPr lang="ko-KR" altLang="en-US" smtClean="0"/>
-              <a:t>2025-09-14</a:t>
+              <a:t>2025-09-21</a:t>
             </a:fld>
             <a:endParaRPr lang="ko-KR" altLang="en-US"/>
           </a:p>
@@ -1964,7 +1965,7 @@
           <a:p>
             <a:fld id="{20FDF2D6-8C5E-4A0C-AD78-AB907B009066}" type="datetimeFigureOut">
               <a:rPr lang="ko-KR" altLang="en-US" smtClean="0"/>
-              <a:t>2025-09-14</a:t>
+              <a:t>2025-09-21</a:t>
             </a:fld>
             <a:endParaRPr lang="ko-KR" altLang="en-US"/>
           </a:p>
@@ -2077,7 +2078,7 @@
           <a:p>
             <a:fld id="{20FDF2D6-8C5E-4A0C-AD78-AB907B009066}" type="datetimeFigureOut">
               <a:rPr lang="ko-KR" altLang="en-US" smtClean="0"/>
-              <a:t>2025-09-14</a:t>
+              <a:t>2025-09-21</a:t>
             </a:fld>
             <a:endParaRPr lang="ko-KR" altLang="en-US"/>
           </a:p>
@@ -2388,7 +2389,7 @@
           <a:p>
             <a:fld id="{20FDF2D6-8C5E-4A0C-AD78-AB907B009066}" type="datetimeFigureOut">
               <a:rPr lang="ko-KR" altLang="en-US" smtClean="0"/>
-              <a:t>2025-09-14</a:t>
+              <a:t>2025-09-21</a:t>
             </a:fld>
             <a:endParaRPr lang="ko-KR" altLang="en-US"/>
           </a:p>
@@ -2676,7 +2677,7 @@
           <a:p>
             <a:fld id="{20FDF2D6-8C5E-4A0C-AD78-AB907B009066}" type="datetimeFigureOut">
               <a:rPr lang="ko-KR" altLang="en-US" smtClean="0"/>
-              <a:t>2025-09-14</a:t>
+              <a:t>2025-09-21</a:t>
             </a:fld>
             <a:endParaRPr lang="ko-KR" altLang="en-US"/>
           </a:p>
@@ -2917,7 +2918,7 @@
           <a:p>
             <a:fld id="{20FDF2D6-8C5E-4A0C-AD78-AB907B009066}" type="datetimeFigureOut">
               <a:rPr lang="ko-KR" altLang="en-US" smtClean="0"/>
-              <a:t>2025-09-14</a:t>
+              <a:t>2025-09-21</a:t>
             </a:fld>
             <a:endParaRPr lang="ko-KR" altLang="en-US"/>
           </a:p>
@@ -3411,6 +3412,355 @@
 </p:sld>
 </file>
 
+<file path=ppt/slides/slide10.xml><?xml version="1.0" encoding="utf-8"?>
+<p:sld xmlns:a="http://schemas.openxmlformats.org/drawingml/2006/main" xmlns:r="http://schemas.openxmlformats.org/officeDocument/2006/relationships" xmlns:p="http://schemas.openxmlformats.org/presentationml/2006/main">
+  <p:cSld>
+    <p:spTree>
+      <p:nvGrpSpPr>
+        <p:cNvPr id="1" name=""/>
+        <p:cNvGrpSpPr/>
+        <p:nvPr/>
+      </p:nvGrpSpPr>
+      <p:grpSpPr>
+        <a:xfrm>
+          <a:off x="0" y="0"/>
+          <a:ext cx="0" cy="0"/>
+          <a:chOff x="0" y="0"/>
+          <a:chExt cx="0" cy="0"/>
+        </a:xfrm>
+      </p:grpSpPr>
+      <p:sp>
+        <p:nvSpPr>
+          <p:cNvPr id="2" name="제목 1">
+            <a:extLst>
+              <a:ext uri="{FF2B5EF4-FFF2-40B4-BE49-F238E27FC236}">
+                <a16:creationId xmlns:a16="http://schemas.microsoft.com/office/drawing/2014/main" id="{173E0BBA-2112-2DDF-C1A3-9EABCA3BA330}"/>
+              </a:ext>
+            </a:extLst>
+          </p:cNvPr>
+          <p:cNvSpPr>
+            <a:spLocks noGrp="1"/>
+          </p:cNvSpPr>
+          <p:nvPr>
+            <p:ph type="title"/>
+          </p:nvPr>
+        </p:nvSpPr>
+        <p:spPr/>
+        <p:txBody>
+          <a:bodyPr/>
+          <a:lstStyle/>
+          <a:p>
+            <a:endParaRPr lang="ko-KR" altLang="en-US"/>
+          </a:p>
+        </p:txBody>
+      </p:sp>
+      <mc:AlternateContent xmlns:mc="http://schemas.openxmlformats.org/markup-compatibility/2006" xmlns:a14="http://schemas.microsoft.com/office/drawing/2010/main">
+        <mc:Choice Requires="a14">
+          <p:sp>
+            <p:nvSpPr>
+              <p:cNvPr id="4" name="TextBox 3">
+                <a:extLst>
+                  <a:ext uri="{FF2B5EF4-FFF2-40B4-BE49-F238E27FC236}">
+                    <a16:creationId xmlns:a16="http://schemas.microsoft.com/office/drawing/2014/main" id="{067837FD-498F-789A-658E-42D75B1DE47B}"/>
+                  </a:ext>
+                </a:extLst>
+              </p:cNvPr>
+              <p:cNvSpPr txBox="1"/>
+              <p:nvPr/>
+            </p:nvSpPr>
+            <p:spPr>
+              <a:xfrm>
+                <a:off x="781216" y="2227130"/>
+                <a:ext cx="9531626" cy="1754326"/>
+              </a:xfrm>
+              <a:prstGeom prst="rect">
+                <a:avLst/>
+              </a:prstGeom>
+              <a:noFill/>
+            </p:spPr>
+            <p:txBody>
+              <a:bodyPr wrap="square">
+                <a:spAutoFit/>
+              </a:bodyPr>
+              <a:lstStyle/>
+              <a:p>
+                <a:pPr>
+                  <a:buNone/>
+                </a:pPr>
+                <a:r>
+                  <a:rPr lang="ko-KR" altLang="en-US" b="1" dirty="0"/>
+                  <a:t>그래픽스에서 꼭 기억할 것</a:t>
+                </a:r>
+              </a:p>
+              <a:p>
+                <a:pPr>
+                  <a:buFont typeface="+mj-lt"/>
+                  <a:buAutoNum type="arabicPeriod"/>
+                </a:pPr>
+                <a:r>
+                  <a:rPr lang="ko-KR" altLang="en-US" b="1" dirty="0"/>
+                  <a:t>곱 순서 중요</a:t>
+                </a:r>
+                <a:r>
+                  <a:rPr lang="en-US" altLang="ko-KR" dirty="0"/>
+                  <a:t>: </a:t>
+                </a:r>
+                <a:r>
+                  <a:rPr lang="ko-KR" altLang="en-US" dirty="0"/>
+                  <a:t>이동</a:t>
+                </a:r>
+                <a:r>
+                  <a:rPr lang="en-US" altLang="ko-KR" dirty="0"/>
+                  <a:t>·</a:t>
+                </a:r>
+                <a:r>
+                  <a:rPr lang="ko-KR" altLang="en-US" dirty="0"/>
+                  <a:t>회전</a:t>
+                </a:r>
+                <a:r>
+                  <a:rPr lang="en-US" altLang="ko-KR" dirty="0"/>
+                  <a:t>·</a:t>
+                </a:r>
+                <a:r>
+                  <a:rPr lang="ko-KR" altLang="en-US" dirty="0"/>
+                  <a:t>스케일 순서에 따라 결과가 달라짐</a:t>
+                </a:r>
+                <a:r>
+                  <a:rPr lang="en-US" altLang="ko-KR" dirty="0"/>
+                  <a:t>.</a:t>
+                </a:r>
+              </a:p>
+              <a:p>
+                <a:pPr>
+                  <a:buFont typeface="+mj-lt"/>
+                  <a:buAutoNum type="arabicPeriod"/>
+                </a:pPr>
+                <a:r>
+                  <a:rPr lang="ko-KR" altLang="en-US" b="1" dirty="0"/>
+                  <a:t>역행렬은 순서를 뒤집음</a:t>
+                </a:r>
+                <a:r>
+                  <a:rPr lang="en-US" altLang="ko-KR" dirty="0"/>
+                  <a:t>: </a:t>
+                </a:r>
+                <a:r>
+                  <a:rPr lang="ko-KR" altLang="en-US" dirty="0"/>
+                  <a:t>좌표계 변환할 때 필수</a:t>
+                </a:r>
+                <a:r>
+                  <a:rPr lang="en-US" altLang="ko-KR" dirty="0"/>
+                  <a:t>.</a:t>
+                </a:r>
+              </a:p>
+              <a:p>
+                <a:pPr>
+                  <a:buFont typeface="+mj-lt"/>
+                  <a:buAutoNum type="arabicPeriod"/>
+                </a:pPr>
+                <a:r>
+                  <a:rPr lang="ko-KR" altLang="en-US" b="1" dirty="0"/>
+                  <a:t>전치는 순서 뒤집음</a:t>
+                </a:r>
+                <a:r>
+                  <a:rPr lang="en-US" altLang="ko-KR" dirty="0"/>
+                  <a:t>: Normal Matrix</a:t>
+                </a:r>
+                <a:r>
+                  <a:rPr lang="ko-KR" altLang="en-US" dirty="0"/>
+                  <a:t>가 나오는 이유</a:t>
+                </a:r>
+                <a:r>
+                  <a:rPr lang="en-US" altLang="ko-KR" dirty="0"/>
+                  <a:t>.</a:t>
+                </a:r>
+              </a:p>
+              <a:p>
+                <a:pPr>
+                  <a:buFont typeface="+mj-lt"/>
+                  <a:buAutoNum type="arabicPeriod"/>
+                </a:pPr>
+                <a:r>
+                  <a:rPr lang="ko-KR" altLang="en-US" b="1" dirty="0"/>
+                  <a:t>회전행렬은 특별하다</a:t>
+                </a:r>
+                <a:r>
+                  <a:rPr lang="en-US" altLang="ko-KR" dirty="0"/>
+                  <a:t>: </a:t>
+                </a:r>
+                <a14:m>
+                  <m:oMath xmlns:m="http://schemas.openxmlformats.org/officeDocument/2006/math">
+                    <m:sSup>
+                      <m:sSupPr>
+                        <m:ctrlPr>
+                          <a:rPr lang="ko-KR" altLang="en-US" i="1">
+                            <a:latin typeface="Cambria Math" panose="02040503050406030204" pitchFamily="18" charset="0"/>
+                          </a:rPr>
+                        </m:ctrlPr>
+                      </m:sSupPr>
+                      <m:e>
+                        <m:r>
+                          <a:rPr lang="ko-KR" altLang="en-US" i="1">
+                            <a:latin typeface="Cambria Math" panose="02040503050406030204" pitchFamily="18" charset="0"/>
+                          </a:rPr>
+                          <m:t>𝑅</m:t>
+                        </m:r>
+                      </m:e>
+                      <m:sup>
+                        <m:r>
+                          <a:rPr lang="ko-KR" altLang="en-US" i="0">
+                            <a:latin typeface="Cambria Math" panose="02040503050406030204" pitchFamily="18" charset="0"/>
+                          </a:rPr>
+                          <m:t>−</m:t>
+                        </m:r>
+                        <m:r>
+                          <a:rPr lang="en-US" altLang="ko-KR" i="0">
+                            <a:latin typeface="Cambria Math" panose="02040503050406030204" pitchFamily="18" charset="0"/>
+                          </a:rPr>
+                          <m:t>1</m:t>
+                        </m:r>
+                      </m:sup>
+                    </m:sSup>
+                    <m:r>
+                      <a:rPr lang="en-US" altLang="ko-KR" i="0">
+                        <a:latin typeface="Cambria Math" panose="02040503050406030204" pitchFamily="18" charset="0"/>
+                      </a:rPr>
+                      <m:t>=</m:t>
+                    </m:r>
+                    <m:sSup>
+                      <m:sSupPr>
+                        <m:ctrlPr>
+                          <a:rPr lang="ko-KR" altLang="en-US" i="1">
+                            <a:latin typeface="Cambria Math" panose="02040503050406030204" pitchFamily="18" charset="0"/>
+                          </a:rPr>
+                        </m:ctrlPr>
+                      </m:sSupPr>
+                      <m:e>
+                        <m:r>
+                          <a:rPr lang="ko-KR" altLang="en-US" i="1">
+                            <a:latin typeface="Cambria Math" panose="02040503050406030204" pitchFamily="18" charset="0"/>
+                          </a:rPr>
+                          <m:t>𝑅</m:t>
+                        </m:r>
+                      </m:e>
+                      <m:sup>
+                        <m:r>
+                          <a:rPr lang="ko-KR" altLang="en-US" i="1">
+                            <a:latin typeface="Cambria Math" panose="02040503050406030204" pitchFamily="18" charset="0"/>
+                          </a:rPr>
+                          <m:t>𝑇</m:t>
+                        </m:r>
+                      </m:sup>
+                    </m:sSup>
+                  </m:oMath>
+                </a14:m>
+                <a:r>
+                  <a:rPr lang="en-US" altLang="ko-KR" dirty="0"/>
+                  <a:t>.</a:t>
+                </a:r>
+              </a:p>
+              <a:p>
+                <a:pPr>
+                  <a:buFont typeface="+mj-lt"/>
+                  <a:buAutoNum type="arabicPeriod"/>
+                </a:pPr>
+                <a:r>
+                  <a:rPr lang="ko-KR" altLang="en-US" b="1" dirty="0"/>
+                  <a:t>항상 결합법칙 </a:t>
+                </a:r>
+                <a:r>
+                  <a:rPr lang="en-US" altLang="ko-KR" b="1" dirty="0"/>
+                  <a:t>O, </a:t>
+                </a:r>
+                <a:r>
+                  <a:rPr lang="ko-KR" altLang="en-US" b="1" dirty="0"/>
+                  <a:t>교환법칙 </a:t>
+                </a:r>
+                <a:r>
+                  <a:rPr lang="en-US" altLang="ko-KR" b="1" dirty="0"/>
+                  <a:t>X</a:t>
+                </a:r>
+                <a:r>
+                  <a:rPr lang="en-US" altLang="ko-KR" dirty="0"/>
+                  <a:t>: </a:t>
+                </a:r>
+                <a:r>
+                  <a:rPr lang="ko-KR" altLang="en-US" dirty="0"/>
+                  <a:t>합칠 수는 있지만</a:t>
+                </a:r>
+                <a:r>
+                  <a:rPr lang="en-US" altLang="ko-KR" dirty="0"/>
+                  <a:t>, </a:t>
+                </a:r>
+                <a:r>
+                  <a:rPr lang="ko-KR" altLang="en-US" dirty="0"/>
+                  <a:t>순서는 지켜야 함</a:t>
+                </a:r>
+                <a:r>
+                  <a:rPr lang="en-US" altLang="ko-KR" dirty="0"/>
+                  <a:t>.</a:t>
+                </a:r>
+              </a:p>
+            </p:txBody>
+          </p:sp>
+        </mc:Choice>
+        <mc:Fallback xmlns="">
+          <p:sp>
+            <p:nvSpPr>
+              <p:cNvPr id="4" name="TextBox 3">
+                <a:extLst>
+                  <a:ext uri="{FF2B5EF4-FFF2-40B4-BE49-F238E27FC236}">
+                    <a16:creationId xmlns:a16="http://schemas.microsoft.com/office/drawing/2014/main" id="{067837FD-498F-789A-658E-42D75B1DE47B}"/>
+                  </a:ext>
+                </a:extLst>
+              </p:cNvPr>
+              <p:cNvSpPr txBox="1">
+                <a:spLocks noRot="1" noChangeAspect="1" noMove="1" noResize="1" noEditPoints="1" noAdjustHandles="1" noChangeArrowheads="1" noChangeShapeType="1" noTextEdit="1"/>
+              </p:cNvSpPr>
+              <p:nvPr/>
+            </p:nvSpPr>
+            <p:spPr>
+              <a:xfrm>
+                <a:off x="781216" y="2227130"/>
+                <a:ext cx="9531626" cy="1754326"/>
+              </a:xfrm>
+              <a:prstGeom prst="rect">
+                <a:avLst/>
+              </a:prstGeom>
+              <a:blipFill>
+                <a:blip r:embed="rId2"/>
+                <a:stretch>
+                  <a:fillRect l="-639" t="-1736" b="-5556"/>
+                </a:stretch>
+              </a:blipFill>
+            </p:spPr>
+            <p:txBody>
+              <a:bodyPr/>
+              <a:lstStyle/>
+              <a:p>
+                <a:r>
+                  <a:rPr lang="ko-KR" altLang="en-US">
+                    <a:noFill/>
+                  </a:rPr>
+                  <a:t> </a:t>
+                </a:r>
+              </a:p>
+            </p:txBody>
+          </p:sp>
+        </mc:Fallback>
+      </mc:AlternateContent>
+    </p:spTree>
+    <p:extLst>
+      <p:ext uri="{BB962C8B-B14F-4D97-AF65-F5344CB8AC3E}">
+        <p14:creationId xmlns:p14="http://schemas.microsoft.com/office/powerpoint/2010/main" val="4076112099"/>
+      </p:ext>
+    </p:extLst>
+  </p:cSld>
+  <p:clrMapOvr>
+    <a:masterClrMapping/>
+  </p:clrMapOvr>
+</p:sld>
+</file>
+
 <file path=ppt/slides/slide2.xml><?xml version="1.0" encoding="utf-8"?>
 <p:sld xmlns:a="http://schemas.openxmlformats.org/drawingml/2006/main" xmlns:r="http://schemas.openxmlformats.org/officeDocument/2006/relationships" xmlns:p="http://schemas.openxmlformats.org/presentationml/2006/main">
   <p:cSld>
@@ -5989,6 +6339,3335 @@
           <p:cNvPr id="2" name="제목 1">
             <a:extLst>
               <a:ext uri="{FF2B5EF4-FFF2-40B4-BE49-F238E27FC236}">
+                <a16:creationId xmlns:a16="http://schemas.microsoft.com/office/drawing/2014/main" id="{CA576C9E-21A0-34FA-8C32-0356CF4E349F}"/>
+              </a:ext>
+            </a:extLst>
+          </p:cNvPr>
+          <p:cNvSpPr>
+            <a:spLocks noGrp="1"/>
+          </p:cNvSpPr>
+          <p:nvPr>
+            <p:ph type="title"/>
+          </p:nvPr>
+        </p:nvSpPr>
+        <p:spPr/>
+        <p:txBody>
+          <a:bodyPr/>
+          <a:lstStyle/>
+          <a:p>
+            <a:r>
+              <a:rPr lang="en-US" altLang="ko-KR" dirty="0"/>
+              <a:t>0. </a:t>
+            </a:r>
+            <a:r>
+              <a:rPr lang="ko-KR" altLang="en-US" dirty="0"/>
+              <a:t>행렬 연산과 내적</a:t>
+            </a:r>
+          </a:p>
+        </p:txBody>
+      </p:sp>
+      <mc:AlternateContent xmlns:mc="http://schemas.openxmlformats.org/markup-compatibility/2006">
+        <mc:Choice xmlns:a14="http://schemas.microsoft.com/office/drawing/2010/main" Requires="a14">
+          <p:sp>
+            <p:nvSpPr>
+              <p:cNvPr id="5" name="TextBox 4">
+                <a:extLst>
+                  <a:ext uri="{FF2B5EF4-FFF2-40B4-BE49-F238E27FC236}">
+                    <a16:creationId xmlns:a16="http://schemas.microsoft.com/office/drawing/2014/main" id="{8F9ECD6D-20FD-9A73-E202-6BE788FFFEF5}"/>
+                  </a:ext>
+                </a:extLst>
+              </p:cNvPr>
+              <p:cNvSpPr txBox="1"/>
+              <p:nvPr/>
+            </p:nvSpPr>
+            <p:spPr>
+              <a:xfrm>
+                <a:off x="2628434" y="1478720"/>
+                <a:ext cx="6569753" cy="1200329"/>
+              </a:xfrm>
+              <a:prstGeom prst="rect">
+                <a:avLst/>
+              </a:prstGeom>
+              <a:noFill/>
+            </p:spPr>
+            <p:txBody>
+              <a:bodyPr wrap="square">
+                <a:spAutoFit/>
+              </a:bodyPr>
+              <a:lstStyle/>
+              <a:p>
+                <a:pPr>
+                  <a:buNone/>
+                </a:pPr>
+                <a:r>
+                  <a:rPr lang="ko-KR" altLang="en-US" b="1" dirty="0"/>
+                  <a:t>벡터의　내적　정의</a:t>
+                </a:r>
+              </a:p>
+              <a:p>
+                <a:pPr>
+                  <a:buNone/>
+                </a:pPr>
+                <a:r>
+                  <a:rPr lang="ko-KR" altLang="en-US" dirty="0"/>
+                  <a:t>두 </a:t>
+                </a:r>
+                <a:r>
+                  <a:rPr lang="en-US" altLang="ko-KR" dirty="0"/>
+                  <a:t>4</a:t>
+                </a:r>
+                <a:r>
+                  <a:rPr lang="ko-KR" altLang="en-US" dirty="0"/>
+                  <a:t>차원 벡터 </a:t>
+                </a:r>
+                <a14:m>
+                  <m:oMath xmlns:m="http://schemas.openxmlformats.org/officeDocument/2006/math">
+                    <m:r>
+                      <a:rPr lang="ko-KR" altLang="en-US" i="1">
+                        <a:latin typeface="Cambria Math" panose="02040503050406030204" pitchFamily="18" charset="0"/>
+                      </a:rPr>
+                      <m:t>𝑎</m:t>
+                    </m:r>
+                    <m:r>
+                      <a:rPr lang="en-US" altLang="ko-KR" i="0">
+                        <a:latin typeface="Cambria Math" panose="02040503050406030204" pitchFamily="18" charset="0"/>
+                      </a:rPr>
+                      <m:t>=</m:t>
+                    </m:r>
+                    <m:d>
+                      <m:dPr>
+                        <m:sepChr m:val=","/>
+                        <m:ctrlPr>
+                          <a:rPr lang="ar-AE" altLang="ko-KR" i="1">
+                            <a:latin typeface="Cambria Math" panose="02040503050406030204" pitchFamily="18" charset="0"/>
+                          </a:rPr>
+                        </m:ctrlPr>
+                      </m:dPr>
+                      <m:e>
+                        <m:sSub>
+                          <m:sSubPr>
+                            <m:ctrlPr>
+                              <a:rPr lang="ar-AE" altLang="ko-KR" i="1">
+                                <a:latin typeface="Cambria Math" panose="02040503050406030204" pitchFamily="18" charset="0"/>
+                              </a:rPr>
+                            </m:ctrlPr>
+                          </m:sSubPr>
+                          <m:e>
+                            <m:r>
+                              <a:rPr lang="ko-KR" altLang="ar-AE" i="1">
+                                <a:latin typeface="Cambria Math" panose="02040503050406030204" pitchFamily="18" charset="0"/>
+                              </a:rPr>
+                              <m:t>𝑎</m:t>
+                            </m:r>
+                          </m:e>
+                          <m:sub>
+                            <m:r>
+                              <a:rPr lang="ar-AE" altLang="ko-KR" i="0">
+                                <a:latin typeface="Cambria Math" panose="02040503050406030204" pitchFamily="18" charset="0"/>
+                              </a:rPr>
+                              <m:t>1</m:t>
+                            </m:r>
+                          </m:sub>
+                        </m:sSub>
+                      </m:e>
+                      <m:e>
+                        <m:sSub>
+                          <m:sSubPr>
+                            <m:ctrlPr>
+                              <a:rPr lang="ar-AE" altLang="ko-KR" i="1">
+                                <a:latin typeface="Cambria Math" panose="02040503050406030204" pitchFamily="18" charset="0"/>
+                              </a:rPr>
+                            </m:ctrlPr>
+                          </m:sSubPr>
+                          <m:e>
+                            <m:r>
+                              <a:rPr lang="ko-KR" altLang="ar-AE" i="1">
+                                <a:latin typeface="Cambria Math" panose="02040503050406030204" pitchFamily="18" charset="0"/>
+                              </a:rPr>
+                              <m:t>𝑎</m:t>
+                            </m:r>
+                          </m:e>
+                          <m:sub>
+                            <m:r>
+                              <a:rPr lang="ar-AE" altLang="ko-KR" i="0">
+                                <a:latin typeface="Cambria Math" panose="02040503050406030204" pitchFamily="18" charset="0"/>
+                              </a:rPr>
+                              <m:t>2</m:t>
+                            </m:r>
+                          </m:sub>
+                        </m:sSub>
+                      </m:e>
+                      <m:e>
+                        <m:sSub>
+                          <m:sSubPr>
+                            <m:ctrlPr>
+                              <a:rPr lang="ar-AE" altLang="ko-KR" i="1">
+                                <a:latin typeface="Cambria Math" panose="02040503050406030204" pitchFamily="18" charset="0"/>
+                              </a:rPr>
+                            </m:ctrlPr>
+                          </m:sSubPr>
+                          <m:e>
+                            <m:r>
+                              <a:rPr lang="ko-KR" altLang="ar-AE" i="1">
+                                <a:latin typeface="Cambria Math" panose="02040503050406030204" pitchFamily="18" charset="0"/>
+                              </a:rPr>
+                              <m:t>𝑎</m:t>
+                            </m:r>
+                          </m:e>
+                          <m:sub>
+                            <m:r>
+                              <a:rPr lang="ar-AE" altLang="ko-KR" i="0">
+                                <a:latin typeface="Cambria Math" panose="02040503050406030204" pitchFamily="18" charset="0"/>
+                              </a:rPr>
+                              <m:t>3</m:t>
+                            </m:r>
+                          </m:sub>
+                        </m:sSub>
+                      </m:e>
+                      <m:e>
+                        <m:sSub>
+                          <m:sSubPr>
+                            <m:ctrlPr>
+                              <a:rPr lang="ar-AE" altLang="ko-KR" i="1">
+                                <a:latin typeface="Cambria Math" panose="02040503050406030204" pitchFamily="18" charset="0"/>
+                              </a:rPr>
+                            </m:ctrlPr>
+                          </m:sSubPr>
+                          <m:e>
+                            <m:r>
+                              <a:rPr lang="ko-KR" altLang="ar-AE" i="1">
+                                <a:latin typeface="Cambria Math" panose="02040503050406030204" pitchFamily="18" charset="0"/>
+                              </a:rPr>
+                              <m:t>𝑎</m:t>
+                            </m:r>
+                          </m:e>
+                          <m:sub>
+                            <m:r>
+                              <a:rPr lang="ar-AE" altLang="ko-KR" i="0">
+                                <a:latin typeface="Cambria Math" panose="02040503050406030204" pitchFamily="18" charset="0"/>
+                              </a:rPr>
+                              <m:t>4</m:t>
+                            </m:r>
+                          </m:sub>
+                        </m:sSub>
+                      </m:e>
+                    </m:d>
+                  </m:oMath>
+                </a14:m>
+                <a:r>
+                  <a:rPr lang="ar-AE" altLang="ko-KR" dirty="0"/>
+                  <a:t>, </a:t>
+                </a:r>
+                <a14:m>
+                  <m:oMath xmlns:m="http://schemas.openxmlformats.org/officeDocument/2006/math">
+                    <m:r>
+                      <a:rPr lang="ko-KR" altLang="ar-AE" i="1">
+                        <a:latin typeface="Cambria Math" panose="02040503050406030204" pitchFamily="18" charset="0"/>
+                      </a:rPr>
+                      <m:t>𝑏</m:t>
+                    </m:r>
+                    <m:r>
+                      <a:rPr lang="ar-AE" altLang="ko-KR" i="0">
+                        <a:latin typeface="Cambria Math" panose="02040503050406030204" pitchFamily="18" charset="0"/>
+                      </a:rPr>
+                      <m:t>=</m:t>
+                    </m:r>
+                    <m:d>
+                      <m:dPr>
+                        <m:sepChr m:val=","/>
+                        <m:ctrlPr>
+                          <a:rPr lang="ar-AE" altLang="ko-KR" i="1">
+                            <a:latin typeface="Cambria Math" panose="02040503050406030204" pitchFamily="18" charset="0"/>
+                          </a:rPr>
+                        </m:ctrlPr>
+                      </m:dPr>
+                      <m:e>
+                        <m:sSub>
+                          <m:sSubPr>
+                            <m:ctrlPr>
+                              <a:rPr lang="ar-AE" altLang="ko-KR" i="1">
+                                <a:latin typeface="Cambria Math" panose="02040503050406030204" pitchFamily="18" charset="0"/>
+                              </a:rPr>
+                            </m:ctrlPr>
+                          </m:sSubPr>
+                          <m:e>
+                            <m:r>
+                              <a:rPr lang="ko-KR" altLang="ar-AE" i="1">
+                                <a:latin typeface="Cambria Math" panose="02040503050406030204" pitchFamily="18" charset="0"/>
+                              </a:rPr>
+                              <m:t>𝑏</m:t>
+                            </m:r>
+                          </m:e>
+                          <m:sub>
+                            <m:r>
+                              <a:rPr lang="ar-AE" altLang="ko-KR" i="0">
+                                <a:latin typeface="Cambria Math" panose="02040503050406030204" pitchFamily="18" charset="0"/>
+                              </a:rPr>
+                              <m:t>1</m:t>
+                            </m:r>
+                          </m:sub>
+                        </m:sSub>
+                      </m:e>
+                      <m:e>
+                        <m:sSub>
+                          <m:sSubPr>
+                            <m:ctrlPr>
+                              <a:rPr lang="ar-AE" altLang="ko-KR" i="1">
+                                <a:latin typeface="Cambria Math" panose="02040503050406030204" pitchFamily="18" charset="0"/>
+                              </a:rPr>
+                            </m:ctrlPr>
+                          </m:sSubPr>
+                          <m:e>
+                            <m:r>
+                              <a:rPr lang="ko-KR" altLang="ar-AE" i="1">
+                                <a:latin typeface="Cambria Math" panose="02040503050406030204" pitchFamily="18" charset="0"/>
+                              </a:rPr>
+                              <m:t>𝑏</m:t>
+                            </m:r>
+                          </m:e>
+                          <m:sub>
+                            <m:r>
+                              <a:rPr lang="ar-AE" altLang="ko-KR" i="0">
+                                <a:latin typeface="Cambria Math" panose="02040503050406030204" pitchFamily="18" charset="0"/>
+                              </a:rPr>
+                              <m:t>2</m:t>
+                            </m:r>
+                          </m:sub>
+                        </m:sSub>
+                      </m:e>
+                      <m:e>
+                        <m:sSub>
+                          <m:sSubPr>
+                            <m:ctrlPr>
+                              <a:rPr lang="ar-AE" altLang="ko-KR" i="1">
+                                <a:latin typeface="Cambria Math" panose="02040503050406030204" pitchFamily="18" charset="0"/>
+                              </a:rPr>
+                            </m:ctrlPr>
+                          </m:sSubPr>
+                          <m:e>
+                            <m:r>
+                              <a:rPr lang="ko-KR" altLang="ar-AE" i="1">
+                                <a:latin typeface="Cambria Math" panose="02040503050406030204" pitchFamily="18" charset="0"/>
+                              </a:rPr>
+                              <m:t>𝑏</m:t>
+                            </m:r>
+                          </m:e>
+                          <m:sub>
+                            <m:r>
+                              <a:rPr lang="ar-AE" altLang="ko-KR" i="0">
+                                <a:latin typeface="Cambria Math" panose="02040503050406030204" pitchFamily="18" charset="0"/>
+                              </a:rPr>
+                              <m:t>3</m:t>
+                            </m:r>
+                          </m:sub>
+                        </m:sSub>
+                      </m:e>
+                      <m:e>
+                        <m:sSub>
+                          <m:sSubPr>
+                            <m:ctrlPr>
+                              <a:rPr lang="ar-AE" altLang="ko-KR" i="1">
+                                <a:latin typeface="Cambria Math" panose="02040503050406030204" pitchFamily="18" charset="0"/>
+                              </a:rPr>
+                            </m:ctrlPr>
+                          </m:sSubPr>
+                          <m:e>
+                            <m:r>
+                              <a:rPr lang="ko-KR" altLang="ar-AE" i="1">
+                                <a:latin typeface="Cambria Math" panose="02040503050406030204" pitchFamily="18" charset="0"/>
+                              </a:rPr>
+                              <m:t>𝑏</m:t>
+                            </m:r>
+                          </m:e>
+                          <m:sub>
+                            <m:r>
+                              <a:rPr lang="ar-AE" altLang="ko-KR" i="0">
+                                <a:latin typeface="Cambria Math" panose="02040503050406030204" pitchFamily="18" charset="0"/>
+                              </a:rPr>
+                              <m:t>4</m:t>
+                            </m:r>
+                          </m:sub>
+                        </m:sSub>
+                      </m:e>
+                    </m:d>
+                  </m:oMath>
+                </a14:m>
+                <a:r>
+                  <a:rPr lang="ko-KR" altLang="en-US" dirty="0"/>
+                  <a:t>의 내적은</a:t>
+                </a:r>
+              </a:p>
+              <a:p>
+                <a:pPr>
+                  <a:buNone/>
+                </a:pPr>
+                <a14:m>
+                  <m:oMathPara xmlns:m="http://schemas.openxmlformats.org/officeDocument/2006/math">
+                    <m:oMathParaPr>
+                      <m:jc m:val="centerGroup"/>
+                    </m:oMathParaPr>
+                    <m:oMath xmlns:m="http://schemas.openxmlformats.org/officeDocument/2006/math">
+                      <m:r>
+                        <a:rPr lang="ko-KR" altLang="en-US" i="1">
+                          <a:latin typeface="Cambria Math" panose="02040503050406030204" pitchFamily="18" charset="0"/>
+                        </a:rPr>
+                        <m:t>𝑎</m:t>
+                      </m:r>
+                      <m:r>
+                        <a:rPr lang="ko-KR" altLang="en-US" i="0">
+                          <a:latin typeface="Cambria Math" panose="02040503050406030204" pitchFamily="18" charset="0"/>
+                        </a:rPr>
+                        <m:t>⋅</m:t>
+                      </m:r>
+                      <m:r>
+                        <a:rPr lang="ko-KR" altLang="en-US" i="1">
+                          <a:latin typeface="Cambria Math" panose="02040503050406030204" pitchFamily="18" charset="0"/>
+                        </a:rPr>
+                        <m:t>𝑏</m:t>
+                      </m:r>
+                      <m:r>
+                        <a:rPr lang="en-US" altLang="ko-KR" i="0">
+                          <a:latin typeface="Cambria Math" panose="02040503050406030204" pitchFamily="18" charset="0"/>
+                        </a:rPr>
+                        <m:t>=</m:t>
+                      </m:r>
+                      <m:sSub>
+                        <m:sSubPr>
+                          <m:ctrlPr>
+                            <a:rPr lang="ar-AE" altLang="ko-KR" i="1">
+                              <a:latin typeface="Cambria Math" panose="02040503050406030204" pitchFamily="18" charset="0"/>
+                            </a:rPr>
+                          </m:ctrlPr>
+                        </m:sSubPr>
+                        <m:e>
+                          <m:r>
+                            <a:rPr lang="ko-KR" altLang="ar-AE" i="1">
+                              <a:latin typeface="Cambria Math" panose="02040503050406030204" pitchFamily="18" charset="0"/>
+                            </a:rPr>
+                            <m:t>𝑎</m:t>
+                          </m:r>
+                        </m:e>
+                        <m:sub>
+                          <m:r>
+                            <a:rPr lang="ar-AE" altLang="ko-KR" i="0">
+                              <a:latin typeface="Cambria Math" panose="02040503050406030204" pitchFamily="18" charset="0"/>
+                            </a:rPr>
+                            <m:t>1</m:t>
+                          </m:r>
+                        </m:sub>
+                      </m:sSub>
+                      <m:sSub>
+                        <m:sSubPr>
+                          <m:ctrlPr>
+                            <a:rPr lang="ar-AE" altLang="ko-KR" i="1">
+                              <a:latin typeface="Cambria Math" panose="02040503050406030204" pitchFamily="18" charset="0"/>
+                            </a:rPr>
+                          </m:ctrlPr>
+                        </m:sSubPr>
+                        <m:e>
+                          <m:r>
+                            <a:rPr lang="ko-KR" altLang="ar-AE" i="1">
+                              <a:latin typeface="Cambria Math" panose="02040503050406030204" pitchFamily="18" charset="0"/>
+                            </a:rPr>
+                            <m:t>𝑏</m:t>
+                          </m:r>
+                        </m:e>
+                        <m:sub>
+                          <m:r>
+                            <a:rPr lang="ar-AE" altLang="ko-KR" i="0">
+                              <a:latin typeface="Cambria Math" panose="02040503050406030204" pitchFamily="18" charset="0"/>
+                            </a:rPr>
+                            <m:t>1</m:t>
+                          </m:r>
+                        </m:sub>
+                      </m:sSub>
+                      <m:r>
+                        <a:rPr lang="ar-AE" altLang="ko-KR" i="0">
+                          <a:latin typeface="Cambria Math" panose="02040503050406030204" pitchFamily="18" charset="0"/>
+                        </a:rPr>
+                        <m:t>+</m:t>
+                      </m:r>
+                      <m:sSub>
+                        <m:sSubPr>
+                          <m:ctrlPr>
+                            <a:rPr lang="ar-AE" altLang="ko-KR" i="1">
+                              <a:latin typeface="Cambria Math" panose="02040503050406030204" pitchFamily="18" charset="0"/>
+                            </a:rPr>
+                          </m:ctrlPr>
+                        </m:sSubPr>
+                        <m:e>
+                          <m:r>
+                            <a:rPr lang="ko-KR" altLang="ar-AE" i="1">
+                              <a:latin typeface="Cambria Math" panose="02040503050406030204" pitchFamily="18" charset="0"/>
+                            </a:rPr>
+                            <m:t>𝑎</m:t>
+                          </m:r>
+                        </m:e>
+                        <m:sub>
+                          <m:r>
+                            <a:rPr lang="ar-AE" altLang="ko-KR" i="0">
+                              <a:latin typeface="Cambria Math" panose="02040503050406030204" pitchFamily="18" charset="0"/>
+                            </a:rPr>
+                            <m:t>2</m:t>
+                          </m:r>
+                        </m:sub>
+                      </m:sSub>
+                      <m:sSub>
+                        <m:sSubPr>
+                          <m:ctrlPr>
+                            <a:rPr lang="ar-AE" altLang="ko-KR" i="1">
+                              <a:latin typeface="Cambria Math" panose="02040503050406030204" pitchFamily="18" charset="0"/>
+                            </a:rPr>
+                          </m:ctrlPr>
+                        </m:sSubPr>
+                        <m:e>
+                          <m:r>
+                            <a:rPr lang="ko-KR" altLang="ar-AE" i="1">
+                              <a:latin typeface="Cambria Math" panose="02040503050406030204" pitchFamily="18" charset="0"/>
+                            </a:rPr>
+                            <m:t>𝑏</m:t>
+                          </m:r>
+                        </m:e>
+                        <m:sub>
+                          <m:r>
+                            <a:rPr lang="ar-AE" altLang="ko-KR" i="0">
+                              <a:latin typeface="Cambria Math" panose="02040503050406030204" pitchFamily="18" charset="0"/>
+                            </a:rPr>
+                            <m:t>2</m:t>
+                          </m:r>
+                        </m:sub>
+                      </m:sSub>
+                      <m:r>
+                        <a:rPr lang="ar-AE" altLang="ko-KR" i="0">
+                          <a:latin typeface="Cambria Math" panose="02040503050406030204" pitchFamily="18" charset="0"/>
+                        </a:rPr>
+                        <m:t>+</m:t>
+                      </m:r>
+                      <m:sSub>
+                        <m:sSubPr>
+                          <m:ctrlPr>
+                            <a:rPr lang="ar-AE" altLang="ko-KR" i="1">
+                              <a:latin typeface="Cambria Math" panose="02040503050406030204" pitchFamily="18" charset="0"/>
+                            </a:rPr>
+                          </m:ctrlPr>
+                        </m:sSubPr>
+                        <m:e>
+                          <m:r>
+                            <a:rPr lang="ko-KR" altLang="ar-AE" i="1">
+                              <a:latin typeface="Cambria Math" panose="02040503050406030204" pitchFamily="18" charset="0"/>
+                            </a:rPr>
+                            <m:t>𝑎</m:t>
+                          </m:r>
+                        </m:e>
+                        <m:sub>
+                          <m:r>
+                            <a:rPr lang="ar-AE" altLang="ko-KR" i="0">
+                              <a:latin typeface="Cambria Math" panose="02040503050406030204" pitchFamily="18" charset="0"/>
+                            </a:rPr>
+                            <m:t>3</m:t>
+                          </m:r>
+                        </m:sub>
+                      </m:sSub>
+                      <m:sSub>
+                        <m:sSubPr>
+                          <m:ctrlPr>
+                            <a:rPr lang="ar-AE" altLang="ko-KR" i="1">
+                              <a:latin typeface="Cambria Math" panose="02040503050406030204" pitchFamily="18" charset="0"/>
+                            </a:rPr>
+                          </m:ctrlPr>
+                        </m:sSubPr>
+                        <m:e>
+                          <m:r>
+                            <a:rPr lang="ko-KR" altLang="ar-AE" i="1">
+                              <a:latin typeface="Cambria Math" panose="02040503050406030204" pitchFamily="18" charset="0"/>
+                            </a:rPr>
+                            <m:t>𝑏</m:t>
+                          </m:r>
+                        </m:e>
+                        <m:sub>
+                          <m:r>
+                            <a:rPr lang="ar-AE" altLang="ko-KR" i="0">
+                              <a:latin typeface="Cambria Math" panose="02040503050406030204" pitchFamily="18" charset="0"/>
+                            </a:rPr>
+                            <m:t>3</m:t>
+                          </m:r>
+                        </m:sub>
+                      </m:sSub>
+                      <m:r>
+                        <a:rPr lang="ar-AE" altLang="ko-KR" i="0">
+                          <a:latin typeface="Cambria Math" panose="02040503050406030204" pitchFamily="18" charset="0"/>
+                        </a:rPr>
+                        <m:t>+</m:t>
+                      </m:r>
+                      <m:sSub>
+                        <m:sSubPr>
+                          <m:ctrlPr>
+                            <a:rPr lang="ar-AE" altLang="ko-KR" i="1">
+                              <a:latin typeface="Cambria Math" panose="02040503050406030204" pitchFamily="18" charset="0"/>
+                            </a:rPr>
+                          </m:ctrlPr>
+                        </m:sSubPr>
+                        <m:e>
+                          <m:r>
+                            <a:rPr lang="ko-KR" altLang="ar-AE" i="1">
+                              <a:latin typeface="Cambria Math" panose="02040503050406030204" pitchFamily="18" charset="0"/>
+                            </a:rPr>
+                            <m:t>𝑎</m:t>
+                          </m:r>
+                        </m:e>
+                        <m:sub>
+                          <m:r>
+                            <a:rPr lang="ar-AE" altLang="ko-KR" i="0">
+                              <a:latin typeface="Cambria Math" panose="02040503050406030204" pitchFamily="18" charset="0"/>
+                            </a:rPr>
+                            <m:t>4</m:t>
+                          </m:r>
+                        </m:sub>
+                      </m:sSub>
+                      <m:sSub>
+                        <m:sSubPr>
+                          <m:ctrlPr>
+                            <a:rPr lang="ar-AE" altLang="ko-KR" i="1">
+                              <a:latin typeface="Cambria Math" panose="02040503050406030204" pitchFamily="18" charset="0"/>
+                            </a:rPr>
+                          </m:ctrlPr>
+                        </m:sSubPr>
+                        <m:e>
+                          <m:r>
+                            <a:rPr lang="ko-KR" altLang="ar-AE" i="1">
+                              <a:latin typeface="Cambria Math" panose="02040503050406030204" pitchFamily="18" charset="0"/>
+                            </a:rPr>
+                            <m:t>𝑏</m:t>
+                          </m:r>
+                        </m:e>
+                        <m:sub>
+                          <m:r>
+                            <a:rPr lang="ar-AE" altLang="ko-KR" i="0">
+                              <a:latin typeface="Cambria Math" panose="02040503050406030204" pitchFamily="18" charset="0"/>
+                            </a:rPr>
+                            <m:t>4</m:t>
+                          </m:r>
+                        </m:sub>
+                      </m:sSub>
+                    </m:oMath>
+                  </m:oMathPara>
+                </a14:m>
+                <a:endParaRPr lang="ar-AE" altLang="ko-KR" dirty="0"/>
+              </a:p>
+              <a:p>
+                <a:pPr>
+                  <a:buNone/>
+                </a:pPr>
+                <a:r>
+                  <a:rPr lang="ko-KR" altLang="en-US" dirty="0"/>
+                  <a:t>즉</a:t>
+                </a:r>
+                <a:r>
+                  <a:rPr lang="en-US" altLang="ko-KR" dirty="0"/>
+                  <a:t>, </a:t>
+                </a:r>
+                <a:r>
+                  <a:rPr lang="ko-KR" altLang="en-US" b="1" dirty="0"/>
+                  <a:t>각 원소끼리 곱한 뒤 전부 더한 값</a:t>
+                </a:r>
+                <a:r>
+                  <a:rPr lang="ko-KR" altLang="en-US" dirty="0"/>
+                  <a:t>입니다</a:t>
+                </a:r>
+                <a:r>
+                  <a:rPr lang="en-US" altLang="ko-KR" dirty="0"/>
+                  <a:t>.</a:t>
+                </a:r>
+              </a:p>
+            </p:txBody>
+          </p:sp>
+        </mc:Choice>
+        <mc:Fallback>
+          <p:sp>
+            <p:nvSpPr>
+              <p:cNvPr id="5" name="TextBox 4">
+                <a:extLst>
+                  <a:ext uri="{FF2B5EF4-FFF2-40B4-BE49-F238E27FC236}">
+                    <a16:creationId xmlns:a16="http://schemas.microsoft.com/office/drawing/2014/main" id="{8F9ECD6D-20FD-9A73-E202-6BE788FFFEF5}"/>
+                  </a:ext>
+                </a:extLst>
+              </p:cNvPr>
+              <p:cNvSpPr txBox="1">
+                <a:spLocks noRot="1" noChangeAspect="1" noMove="1" noResize="1" noEditPoints="1" noAdjustHandles="1" noChangeArrowheads="1" noChangeShapeType="1" noTextEdit="1"/>
+              </p:cNvSpPr>
+              <p:nvPr/>
+            </p:nvSpPr>
+            <p:spPr>
+              <a:xfrm>
+                <a:off x="2628434" y="1478720"/>
+                <a:ext cx="6569753" cy="1200329"/>
+              </a:xfrm>
+              <a:prstGeom prst="rect">
+                <a:avLst/>
+              </a:prstGeom>
+              <a:blipFill>
+                <a:blip r:embed="rId2"/>
+                <a:stretch>
+                  <a:fillRect l="-742" t="-3061" b="-7653"/>
+                </a:stretch>
+              </a:blipFill>
+            </p:spPr>
+            <p:txBody>
+              <a:bodyPr/>
+              <a:lstStyle/>
+              <a:p>
+                <a:r>
+                  <a:rPr lang="ko-KR" altLang="en-US">
+                    <a:noFill/>
+                  </a:rPr>
+                  <a:t> </a:t>
+                </a:r>
+              </a:p>
+            </p:txBody>
+          </p:sp>
+        </mc:Fallback>
+      </mc:AlternateContent>
+      <mc:AlternateContent xmlns:mc="http://schemas.openxmlformats.org/markup-compatibility/2006">
+        <mc:Choice xmlns:a14="http://schemas.microsoft.com/office/drawing/2010/main" Requires="a14">
+          <p:sp>
+            <p:nvSpPr>
+              <p:cNvPr id="7" name="TextBox 6">
+                <a:extLst>
+                  <a:ext uri="{FF2B5EF4-FFF2-40B4-BE49-F238E27FC236}">
+                    <a16:creationId xmlns:a16="http://schemas.microsoft.com/office/drawing/2014/main" id="{C71807D4-D1FA-EE7A-EFA3-23391DDC7D77}"/>
+                  </a:ext>
+                </a:extLst>
+              </p:cNvPr>
+              <p:cNvSpPr txBox="1"/>
+              <p:nvPr/>
+            </p:nvSpPr>
+            <p:spPr>
+              <a:xfrm>
+                <a:off x="108372" y="2957089"/>
+                <a:ext cx="4958081" cy="2976520"/>
+              </a:xfrm>
+              <a:prstGeom prst="rect">
+                <a:avLst/>
+              </a:prstGeom>
+              <a:noFill/>
+            </p:spPr>
+            <p:txBody>
+              <a:bodyPr wrap="square">
+                <a:spAutoFit/>
+              </a:bodyPr>
+              <a:lstStyle/>
+              <a:p>
+                <a:pPr>
+                  <a:buNone/>
+                </a:pPr>
+                <a:r>
+                  <a:rPr lang="en-US" altLang="ko-KR" b="1" dirty="0"/>
+                  <a:t>1. </a:t>
+                </a:r>
+                <a:r>
+                  <a:rPr lang="ko-KR" altLang="en-US" b="1" dirty="0"/>
+                  <a:t>일반 계산 방식</a:t>
+                </a:r>
+              </a:p>
+              <a:p>
+                <a:pPr>
+                  <a:buNone/>
+                </a:pPr>
+                <a:r>
+                  <a:rPr lang="ko-KR" altLang="en-US" dirty="0"/>
+                  <a:t>행렬 </a:t>
+                </a:r>
+                <a14:m>
+                  <m:oMath xmlns:m="http://schemas.openxmlformats.org/officeDocument/2006/math">
+                    <m:r>
+                      <a:rPr lang="ko-KR" altLang="en-US" i="1">
+                        <a:latin typeface="Cambria Math" panose="02040503050406030204" pitchFamily="18" charset="0"/>
+                      </a:rPr>
+                      <m:t>𝑀</m:t>
+                    </m:r>
+                  </m:oMath>
+                </a14:m>
+                <a:r>
+                  <a:rPr lang="ko-KR" altLang="en-US" dirty="0"/>
+                  <a:t>과 벡터 </a:t>
+                </a:r>
+                <a14:m>
+                  <m:oMath xmlns:m="http://schemas.openxmlformats.org/officeDocument/2006/math">
+                    <m:r>
+                      <a:rPr lang="ko-KR" altLang="en-US" i="1">
+                        <a:latin typeface="Cambria Math" panose="02040503050406030204" pitchFamily="18" charset="0"/>
+                      </a:rPr>
+                      <m:t>𝑣</m:t>
+                    </m:r>
+                  </m:oMath>
+                </a14:m>
+                <a:r>
+                  <a:rPr lang="en-US" altLang="ko-KR" dirty="0"/>
+                  <a:t>:</a:t>
+                </a:r>
+              </a:p>
+              <a:p>
+                <a:pPr>
+                  <a:buNone/>
+                </a:pPr>
+                <a14:m>
+                  <m:oMathPara xmlns:m="http://schemas.openxmlformats.org/officeDocument/2006/math">
+                    <m:oMathParaPr>
+                      <m:jc m:val="centerGroup"/>
+                    </m:oMathParaPr>
+                    <m:oMath xmlns:m="http://schemas.openxmlformats.org/officeDocument/2006/math">
+                      <m:r>
+                        <a:rPr lang="ko-KR" altLang="en-US" i="1">
+                          <a:latin typeface="Cambria Math" panose="02040503050406030204" pitchFamily="18" charset="0"/>
+                        </a:rPr>
+                        <m:t>𝑀</m:t>
+                      </m:r>
+                      <m:r>
+                        <a:rPr lang="en-US" altLang="ko-KR" i="0">
+                          <a:latin typeface="Cambria Math" panose="02040503050406030204" pitchFamily="18" charset="0"/>
+                        </a:rPr>
+                        <m:t>=</m:t>
+                      </m:r>
+                      <m:d>
+                        <m:dPr>
+                          <m:begChr m:val="["/>
+                          <m:endChr m:val="]"/>
+                          <m:ctrlPr>
+                            <a:rPr lang="ar-AE" altLang="ko-KR" i="1">
+                              <a:latin typeface="Cambria Math" panose="02040503050406030204" pitchFamily="18" charset="0"/>
+                            </a:rPr>
+                          </m:ctrlPr>
+                        </m:dPr>
+                        <m:e>
+                          <m:m>
+                            <m:mPr>
+                              <m:plcHide m:val="on"/>
+                              <m:mcs>
+                                <m:mc>
+                                  <m:mcPr>
+                                    <m:count m:val="4"/>
+                                    <m:mcJc m:val="center"/>
+                                  </m:mcPr>
+                                </m:mc>
+                              </m:mcs>
+                              <m:ctrlPr>
+                                <a:rPr lang="ar-AE" altLang="ko-KR" i="1">
+                                  <a:latin typeface="Cambria Math" panose="02040503050406030204" pitchFamily="18" charset="0"/>
+                                </a:rPr>
+                              </m:ctrlPr>
+                            </m:mPr>
+                            <m:mr>
+                              <m:e>
+                                <m:sSub>
+                                  <m:sSubPr>
+                                    <m:ctrlPr>
+                                      <a:rPr lang="ar-AE" altLang="ko-KR" i="1">
+                                        <a:latin typeface="Cambria Math" panose="02040503050406030204" pitchFamily="18" charset="0"/>
+                                      </a:rPr>
+                                    </m:ctrlPr>
+                                  </m:sSubPr>
+                                  <m:e>
+                                    <m:r>
+                                      <a:rPr lang="ko-KR" altLang="ar-AE" i="1">
+                                        <a:latin typeface="Cambria Math" panose="02040503050406030204" pitchFamily="18" charset="0"/>
+                                      </a:rPr>
+                                      <m:t>𝑚</m:t>
+                                    </m:r>
+                                  </m:e>
+                                  <m:sub>
+                                    <m:r>
+                                      <a:rPr lang="ar-AE" altLang="ko-KR" i="0">
+                                        <a:latin typeface="Cambria Math" panose="02040503050406030204" pitchFamily="18" charset="0"/>
+                                      </a:rPr>
+                                      <m:t>11</m:t>
+                                    </m:r>
+                                  </m:sub>
+                                </m:sSub>
+                              </m:e>
+                              <m:e>
+                                <m:sSub>
+                                  <m:sSubPr>
+                                    <m:ctrlPr>
+                                      <a:rPr lang="ar-AE" altLang="ko-KR" i="1">
+                                        <a:latin typeface="Cambria Math" panose="02040503050406030204" pitchFamily="18" charset="0"/>
+                                      </a:rPr>
+                                    </m:ctrlPr>
+                                  </m:sSubPr>
+                                  <m:e>
+                                    <m:r>
+                                      <a:rPr lang="ko-KR" altLang="ar-AE" i="1">
+                                        <a:latin typeface="Cambria Math" panose="02040503050406030204" pitchFamily="18" charset="0"/>
+                                      </a:rPr>
+                                      <m:t>𝑚</m:t>
+                                    </m:r>
+                                  </m:e>
+                                  <m:sub>
+                                    <m:r>
+                                      <a:rPr lang="ar-AE" altLang="ko-KR" i="0">
+                                        <a:latin typeface="Cambria Math" panose="02040503050406030204" pitchFamily="18" charset="0"/>
+                                      </a:rPr>
+                                      <m:t>12</m:t>
+                                    </m:r>
+                                  </m:sub>
+                                </m:sSub>
+                              </m:e>
+                              <m:e>
+                                <m:sSub>
+                                  <m:sSubPr>
+                                    <m:ctrlPr>
+                                      <a:rPr lang="ar-AE" altLang="ko-KR" i="1">
+                                        <a:latin typeface="Cambria Math" panose="02040503050406030204" pitchFamily="18" charset="0"/>
+                                      </a:rPr>
+                                    </m:ctrlPr>
+                                  </m:sSubPr>
+                                  <m:e>
+                                    <m:r>
+                                      <a:rPr lang="ko-KR" altLang="ar-AE" i="1">
+                                        <a:latin typeface="Cambria Math" panose="02040503050406030204" pitchFamily="18" charset="0"/>
+                                      </a:rPr>
+                                      <m:t>𝑚</m:t>
+                                    </m:r>
+                                  </m:e>
+                                  <m:sub>
+                                    <m:r>
+                                      <a:rPr lang="ar-AE" altLang="ko-KR" i="0">
+                                        <a:latin typeface="Cambria Math" panose="02040503050406030204" pitchFamily="18" charset="0"/>
+                                      </a:rPr>
+                                      <m:t>13</m:t>
+                                    </m:r>
+                                  </m:sub>
+                                </m:sSub>
+                              </m:e>
+                              <m:e>
+                                <m:sSub>
+                                  <m:sSubPr>
+                                    <m:ctrlPr>
+                                      <a:rPr lang="ar-AE" altLang="ko-KR" i="1">
+                                        <a:latin typeface="Cambria Math" panose="02040503050406030204" pitchFamily="18" charset="0"/>
+                                      </a:rPr>
+                                    </m:ctrlPr>
+                                  </m:sSubPr>
+                                  <m:e>
+                                    <m:r>
+                                      <a:rPr lang="ko-KR" altLang="ar-AE" i="1">
+                                        <a:latin typeface="Cambria Math" panose="02040503050406030204" pitchFamily="18" charset="0"/>
+                                      </a:rPr>
+                                      <m:t>𝑚</m:t>
+                                    </m:r>
+                                  </m:e>
+                                  <m:sub>
+                                    <m:r>
+                                      <a:rPr lang="ar-AE" altLang="ko-KR" i="0">
+                                        <a:latin typeface="Cambria Math" panose="02040503050406030204" pitchFamily="18" charset="0"/>
+                                      </a:rPr>
+                                      <m:t>14</m:t>
+                                    </m:r>
+                                  </m:sub>
+                                </m:sSub>
+                              </m:e>
+                            </m:mr>
+                            <m:mr>
+                              <m:e>
+                                <m:sSub>
+                                  <m:sSubPr>
+                                    <m:ctrlPr>
+                                      <a:rPr lang="ar-AE" altLang="ko-KR" i="1">
+                                        <a:latin typeface="Cambria Math" panose="02040503050406030204" pitchFamily="18" charset="0"/>
+                                      </a:rPr>
+                                    </m:ctrlPr>
+                                  </m:sSubPr>
+                                  <m:e>
+                                    <m:r>
+                                      <a:rPr lang="ko-KR" altLang="ar-AE" i="1">
+                                        <a:latin typeface="Cambria Math" panose="02040503050406030204" pitchFamily="18" charset="0"/>
+                                      </a:rPr>
+                                      <m:t>𝑚</m:t>
+                                    </m:r>
+                                  </m:e>
+                                  <m:sub>
+                                    <m:r>
+                                      <a:rPr lang="ar-AE" altLang="ko-KR" i="0">
+                                        <a:latin typeface="Cambria Math" panose="02040503050406030204" pitchFamily="18" charset="0"/>
+                                      </a:rPr>
+                                      <m:t>21</m:t>
+                                    </m:r>
+                                  </m:sub>
+                                </m:sSub>
+                              </m:e>
+                              <m:e>
+                                <m:sSub>
+                                  <m:sSubPr>
+                                    <m:ctrlPr>
+                                      <a:rPr lang="ar-AE" altLang="ko-KR" i="1">
+                                        <a:latin typeface="Cambria Math" panose="02040503050406030204" pitchFamily="18" charset="0"/>
+                                      </a:rPr>
+                                    </m:ctrlPr>
+                                  </m:sSubPr>
+                                  <m:e>
+                                    <m:r>
+                                      <a:rPr lang="ko-KR" altLang="ar-AE" i="1">
+                                        <a:latin typeface="Cambria Math" panose="02040503050406030204" pitchFamily="18" charset="0"/>
+                                      </a:rPr>
+                                      <m:t>𝑚</m:t>
+                                    </m:r>
+                                  </m:e>
+                                  <m:sub>
+                                    <m:r>
+                                      <a:rPr lang="ar-AE" altLang="ko-KR" i="0">
+                                        <a:latin typeface="Cambria Math" panose="02040503050406030204" pitchFamily="18" charset="0"/>
+                                      </a:rPr>
+                                      <m:t>22</m:t>
+                                    </m:r>
+                                  </m:sub>
+                                </m:sSub>
+                              </m:e>
+                              <m:e>
+                                <m:sSub>
+                                  <m:sSubPr>
+                                    <m:ctrlPr>
+                                      <a:rPr lang="ar-AE" altLang="ko-KR" i="1">
+                                        <a:latin typeface="Cambria Math" panose="02040503050406030204" pitchFamily="18" charset="0"/>
+                                      </a:rPr>
+                                    </m:ctrlPr>
+                                  </m:sSubPr>
+                                  <m:e>
+                                    <m:r>
+                                      <a:rPr lang="ko-KR" altLang="ar-AE" i="1">
+                                        <a:latin typeface="Cambria Math" panose="02040503050406030204" pitchFamily="18" charset="0"/>
+                                      </a:rPr>
+                                      <m:t>𝑚</m:t>
+                                    </m:r>
+                                  </m:e>
+                                  <m:sub>
+                                    <m:r>
+                                      <a:rPr lang="ar-AE" altLang="ko-KR" i="0">
+                                        <a:latin typeface="Cambria Math" panose="02040503050406030204" pitchFamily="18" charset="0"/>
+                                      </a:rPr>
+                                      <m:t>23</m:t>
+                                    </m:r>
+                                  </m:sub>
+                                </m:sSub>
+                              </m:e>
+                              <m:e>
+                                <m:sSub>
+                                  <m:sSubPr>
+                                    <m:ctrlPr>
+                                      <a:rPr lang="ar-AE" altLang="ko-KR" i="1">
+                                        <a:latin typeface="Cambria Math" panose="02040503050406030204" pitchFamily="18" charset="0"/>
+                                      </a:rPr>
+                                    </m:ctrlPr>
+                                  </m:sSubPr>
+                                  <m:e>
+                                    <m:r>
+                                      <a:rPr lang="ko-KR" altLang="ar-AE" i="1">
+                                        <a:latin typeface="Cambria Math" panose="02040503050406030204" pitchFamily="18" charset="0"/>
+                                      </a:rPr>
+                                      <m:t>𝑚</m:t>
+                                    </m:r>
+                                  </m:e>
+                                  <m:sub>
+                                    <m:r>
+                                      <a:rPr lang="ar-AE" altLang="ko-KR" i="0">
+                                        <a:latin typeface="Cambria Math" panose="02040503050406030204" pitchFamily="18" charset="0"/>
+                                      </a:rPr>
+                                      <m:t>24</m:t>
+                                    </m:r>
+                                  </m:sub>
+                                </m:sSub>
+                              </m:e>
+                            </m:mr>
+                            <m:mr>
+                              <m:e>
+                                <m:sSub>
+                                  <m:sSubPr>
+                                    <m:ctrlPr>
+                                      <a:rPr lang="ar-AE" altLang="ko-KR" i="1">
+                                        <a:latin typeface="Cambria Math" panose="02040503050406030204" pitchFamily="18" charset="0"/>
+                                      </a:rPr>
+                                    </m:ctrlPr>
+                                  </m:sSubPr>
+                                  <m:e>
+                                    <m:r>
+                                      <a:rPr lang="ko-KR" altLang="ar-AE" i="1">
+                                        <a:latin typeface="Cambria Math" panose="02040503050406030204" pitchFamily="18" charset="0"/>
+                                      </a:rPr>
+                                      <m:t>𝑚</m:t>
+                                    </m:r>
+                                  </m:e>
+                                  <m:sub>
+                                    <m:r>
+                                      <a:rPr lang="ar-AE" altLang="ko-KR" i="0">
+                                        <a:latin typeface="Cambria Math" panose="02040503050406030204" pitchFamily="18" charset="0"/>
+                                      </a:rPr>
+                                      <m:t>31</m:t>
+                                    </m:r>
+                                  </m:sub>
+                                </m:sSub>
+                              </m:e>
+                              <m:e>
+                                <m:sSub>
+                                  <m:sSubPr>
+                                    <m:ctrlPr>
+                                      <a:rPr lang="ar-AE" altLang="ko-KR" i="1">
+                                        <a:latin typeface="Cambria Math" panose="02040503050406030204" pitchFamily="18" charset="0"/>
+                                      </a:rPr>
+                                    </m:ctrlPr>
+                                  </m:sSubPr>
+                                  <m:e>
+                                    <m:r>
+                                      <a:rPr lang="ko-KR" altLang="ar-AE" i="1">
+                                        <a:latin typeface="Cambria Math" panose="02040503050406030204" pitchFamily="18" charset="0"/>
+                                      </a:rPr>
+                                      <m:t>𝑚</m:t>
+                                    </m:r>
+                                  </m:e>
+                                  <m:sub>
+                                    <m:r>
+                                      <a:rPr lang="ar-AE" altLang="ko-KR" i="0">
+                                        <a:latin typeface="Cambria Math" panose="02040503050406030204" pitchFamily="18" charset="0"/>
+                                      </a:rPr>
+                                      <m:t>32</m:t>
+                                    </m:r>
+                                  </m:sub>
+                                </m:sSub>
+                              </m:e>
+                              <m:e>
+                                <m:sSub>
+                                  <m:sSubPr>
+                                    <m:ctrlPr>
+                                      <a:rPr lang="ar-AE" altLang="ko-KR" i="1">
+                                        <a:latin typeface="Cambria Math" panose="02040503050406030204" pitchFamily="18" charset="0"/>
+                                      </a:rPr>
+                                    </m:ctrlPr>
+                                  </m:sSubPr>
+                                  <m:e>
+                                    <m:r>
+                                      <a:rPr lang="ko-KR" altLang="ar-AE" i="1">
+                                        <a:latin typeface="Cambria Math" panose="02040503050406030204" pitchFamily="18" charset="0"/>
+                                      </a:rPr>
+                                      <m:t>𝑚</m:t>
+                                    </m:r>
+                                  </m:e>
+                                  <m:sub>
+                                    <m:r>
+                                      <a:rPr lang="ar-AE" altLang="ko-KR" i="0">
+                                        <a:latin typeface="Cambria Math" panose="02040503050406030204" pitchFamily="18" charset="0"/>
+                                      </a:rPr>
+                                      <m:t>33</m:t>
+                                    </m:r>
+                                  </m:sub>
+                                </m:sSub>
+                              </m:e>
+                              <m:e>
+                                <m:sSub>
+                                  <m:sSubPr>
+                                    <m:ctrlPr>
+                                      <a:rPr lang="ar-AE" altLang="ko-KR" i="1">
+                                        <a:latin typeface="Cambria Math" panose="02040503050406030204" pitchFamily="18" charset="0"/>
+                                      </a:rPr>
+                                    </m:ctrlPr>
+                                  </m:sSubPr>
+                                  <m:e>
+                                    <m:r>
+                                      <a:rPr lang="ko-KR" altLang="ar-AE" i="1">
+                                        <a:latin typeface="Cambria Math" panose="02040503050406030204" pitchFamily="18" charset="0"/>
+                                      </a:rPr>
+                                      <m:t>𝑚</m:t>
+                                    </m:r>
+                                  </m:e>
+                                  <m:sub>
+                                    <m:r>
+                                      <a:rPr lang="ar-AE" altLang="ko-KR" i="0">
+                                        <a:latin typeface="Cambria Math" panose="02040503050406030204" pitchFamily="18" charset="0"/>
+                                      </a:rPr>
+                                      <m:t>34</m:t>
+                                    </m:r>
+                                  </m:sub>
+                                </m:sSub>
+                              </m:e>
+                            </m:mr>
+                            <m:mr>
+                              <m:e>
+                                <m:sSub>
+                                  <m:sSubPr>
+                                    <m:ctrlPr>
+                                      <a:rPr lang="ar-AE" altLang="ko-KR" i="1">
+                                        <a:latin typeface="Cambria Math" panose="02040503050406030204" pitchFamily="18" charset="0"/>
+                                      </a:rPr>
+                                    </m:ctrlPr>
+                                  </m:sSubPr>
+                                  <m:e>
+                                    <m:r>
+                                      <a:rPr lang="ko-KR" altLang="ar-AE" i="1">
+                                        <a:latin typeface="Cambria Math" panose="02040503050406030204" pitchFamily="18" charset="0"/>
+                                      </a:rPr>
+                                      <m:t>𝑚</m:t>
+                                    </m:r>
+                                  </m:e>
+                                  <m:sub>
+                                    <m:r>
+                                      <a:rPr lang="ar-AE" altLang="ko-KR" i="0">
+                                        <a:latin typeface="Cambria Math" panose="02040503050406030204" pitchFamily="18" charset="0"/>
+                                      </a:rPr>
+                                      <m:t>41</m:t>
+                                    </m:r>
+                                  </m:sub>
+                                </m:sSub>
+                              </m:e>
+                              <m:e>
+                                <m:sSub>
+                                  <m:sSubPr>
+                                    <m:ctrlPr>
+                                      <a:rPr lang="ar-AE" altLang="ko-KR" i="1">
+                                        <a:latin typeface="Cambria Math" panose="02040503050406030204" pitchFamily="18" charset="0"/>
+                                      </a:rPr>
+                                    </m:ctrlPr>
+                                  </m:sSubPr>
+                                  <m:e>
+                                    <m:r>
+                                      <a:rPr lang="ko-KR" altLang="ar-AE" i="1">
+                                        <a:latin typeface="Cambria Math" panose="02040503050406030204" pitchFamily="18" charset="0"/>
+                                      </a:rPr>
+                                      <m:t>𝑚</m:t>
+                                    </m:r>
+                                  </m:e>
+                                  <m:sub>
+                                    <m:r>
+                                      <a:rPr lang="ar-AE" altLang="ko-KR" i="0">
+                                        <a:latin typeface="Cambria Math" panose="02040503050406030204" pitchFamily="18" charset="0"/>
+                                      </a:rPr>
+                                      <m:t>42</m:t>
+                                    </m:r>
+                                  </m:sub>
+                                </m:sSub>
+                              </m:e>
+                              <m:e>
+                                <m:sSub>
+                                  <m:sSubPr>
+                                    <m:ctrlPr>
+                                      <a:rPr lang="ar-AE" altLang="ko-KR" i="1">
+                                        <a:latin typeface="Cambria Math" panose="02040503050406030204" pitchFamily="18" charset="0"/>
+                                      </a:rPr>
+                                    </m:ctrlPr>
+                                  </m:sSubPr>
+                                  <m:e>
+                                    <m:r>
+                                      <a:rPr lang="ko-KR" altLang="ar-AE" i="1">
+                                        <a:latin typeface="Cambria Math" panose="02040503050406030204" pitchFamily="18" charset="0"/>
+                                      </a:rPr>
+                                      <m:t>𝑚</m:t>
+                                    </m:r>
+                                  </m:e>
+                                  <m:sub>
+                                    <m:r>
+                                      <a:rPr lang="ar-AE" altLang="ko-KR" i="0">
+                                        <a:latin typeface="Cambria Math" panose="02040503050406030204" pitchFamily="18" charset="0"/>
+                                      </a:rPr>
+                                      <m:t>43</m:t>
+                                    </m:r>
+                                  </m:sub>
+                                </m:sSub>
+                              </m:e>
+                              <m:e>
+                                <m:sSub>
+                                  <m:sSubPr>
+                                    <m:ctrlPr>
+                                      <a:rPr lang="ar-AE" altLang="ko-KR" i="1">
+                                        <a:latin typeface="Cambria Math" panose="02040503050406030204" pitchFamily="18" charset="0"/>
+                                      </a:rPr>
+                                    </m:ctrlPr>
+                                  </m:sSubPr>
+                                  <m:e>
+                                    <m:r>
+                                      <a:rPr lang="ko-KR" altLang="ar-AE" i="1">
+                                        <a:latin typeface="Cambria Math" panose="02040503050406030204" pitchFamily="18" charset="0"/>
+                                      </a:rPr>
+                                      <m:t>𝑚</m:t>
+                                    </m:r>
+                                  </m:e>
+                                  <m:sub>
+                                    <m:r>
+                                      <a:rPr lang="ar-AE" altLang="ko-KR" i="0">
+                                        <a:latin typeface="Cambria Math" panose="02040503050406030204" pitchFamily="18" charset="0"/>
+                                      </a:rPr>
+                                      <m:t>44</m:t>
+                                    </m:r>
+                                  </m:sub>
+                                </m:sSub>
+                              </m:e>
+                            </m:mr>
+                          </m:m>
+                        </m:e>
+                      </m:d>
+                      <m:r>
+                        <a:rPr lang="ar-AE" altLang="ko-KR" i="0">
+                          <a:latin typeface="Cambria Math" panose="02040503050406030204" pitchFamily="18" charset="0"/>
+                        </a:rPr>
+                        <m:t>, </m:t>
+                      </m:r>
+                      <m:r>
+                        <a:rPr lang="ko-KR" altLang="ar-AE" i="1">
+                          <a:latin typeface="Cambria Math" panose="02040503050406030204" pitchFamily="18" charset="0"/>
+                        </a:rPr>
+                        <m:t>𝑣</m:t>
+                      </m:r>
+                      <m:r>
+                        <a:rPr lang="ar-AE" altLang="ko-KR" i="0">
+                          <a:latin typeface="Cambria Math" panose="02040503050406030204" pitchFamily="18" charset="0"/>
+                        </a:rPr>
+                        <m:t>=</m:t>
+                      </m:r>
+                      <m:d>
+                        <m:dPr>
+                          <m:begChr m:val="["/>
+                          <m:endChr m:val="]"/>
+                          <m:ctrlPr>
+                            <a:rPr lang="ar-AE" altLang="ko-KR" i="1">
+                              <a:latin typeface="Cambria Math" panose="02040503050406030204" pitchFamily="18" charset="0"/>
+                            </a:rPr>
+                          </m:ctrlPr>
+                        </m:dPr>
+                        <m:e>
+                          <m:m>
+                            <m:mPr>
+                              <m:plcHide m:val="on"/>
+                              <m:mcs>
+                                <m:mc>
+                                  <m:mcPr>
+                                    <m:count m:val="1"/>
+                                    <m:mcJc m:val="center"/>
+                                  </m:mcPr>
+                                </m:mc>
+                              </m:mcs>
+                              <m:ctrlPr>
+                                <a:rPr lang="ar-AE" altLang="ko-KR" i="1">
+                                  <a:latin typeface="Cambria Math" panose="02040503050406030204" pitchFamily="18" charset="0"/>
+                                </a:rPr>
+                              </m:ctrlPr>
+                            </m:mPr>
+                            <m:mr>
+                              <m:e>
+                                <m:sSub>
+                                  <m:sSubPr>
+                                    <m:ctrlPr>
+                                      <a:rPr lang="ar-AE" altLang="ko-KR" i="1">
+                                        <a:latin typeface="Cambria Math" panose="02040503050406030204" pitchFamily="18" charset="0"/>
+                                      </a:rPr>
+                                    </m:ctrlPr>
+                                  </m:sSubPr>
+                                  <m:e>
+                                    <m:r>
+                                      <a:rPr lang="ko-KR" altLang="ar-AE" i="1">
+                                        <a:latin typeface="Cambria Math" panose="02040503050406030204" pitchFamily="18" charset="0"/>
+                                      </a:rPr>
+                                      <m:t>𝑣</m:t>
+                                    </m:r>
+                                  </m:e>
+                                  <m:sub>
+                                    <m:r>
+                                      <a:rPr lang="ar-AE" altLang="ko-KR" i="0">
+                                        <a:latin typeface="Cambria Math" panose="02040503050406030204" pitchFamily="18" charset="0"/>
+                                      </a:rPr>
+                                      <m:t>1</m:t>
+                                    </m:r>
+                                  </m:sub>
+                                </m:sSub>
+                              </m:e>
+                            </m:mr>
+                            <m:mr>
+                              <m:e>
+                                <m:sSub>
+                                  <m:sSubPr>
+                                    <m:ctrlPr>
+                                      <a:rPr lang="ar-AE" altLang="ko-KR" i="1">
+                                        <a:latin typeface="Cambria Math" panose="02040503050406030204" pitchFamily="18" charset="0"/>
+                                      </a:rPr>
+                                    </m:ctrlPr>
+                                  </m:sSubPr>
+                                  <m:e>
+                                    <m:r>
+                                      <a:rPr lang="ko-KR" altLang="ar-AE" i="1">
+                                        <a:latin typeface="Cambria Math" panose="02040503050406030204" pitchFamily="18" charset="0"/>
+                                      </a:rPr>
+                                      <m:t>𝑣</m:t>
+                                    </m:r>
+                                  </m:e>
+                                  <m:sub>
+                                    <m:r>
+                                      <a:rPr lang="ar-AE" altLang="ko-KR" i="0">
+                                        <a:latin typeface="Cambria Math" panose="02040503050406030204" pitchFamily="18" charset="0"/>
+                                      </a:rPr>
+                                      <m:t>2</m:t>
+                                    </m:r>
+                                  </m:sub>
+                                </m:sSub>
+                              </m:e>
+                            </m:mr>
+                            <m:mr>
+                              <m:e>
+                                <m:sSub>
+                                  <m:sSubPr>
+                                    <m:ctrlPr>
+                                      <a:rPr lang="ar-AE" altLang="ko-KR" i="1">
+                                        <a:latin typeface="Cambria Math" panose="02040503050406030204" pitchFamily="18" charset="0"/>
+                                      </a:rPr>
+                                    </m:ctrlPr>
+                                  </m:sSubPr>
+                                  <m:e>
+                                    <m:r>
+                                      <a:rPr lang="ko-KR" altLang="ar-AE" i="1">
+                                        <a:latin typeface="Cambria Math" panose="02040503050406030204" pitchFamily="18" charset="0"/>
+                                      </a:rPr>
+                                      <m:t>𝑣</m:t>
+                                    </m:r>
+                                  </m:e>
+                                  <m:sub>
+                                    <m:r>
+                                      <a:rPr lang="ar-AE" altLang="ko-KR" i="0">
+                                        <a:latin typeface="Cambria Math" panose="02040503050406030204" pitchFamily="18" charset="0"/>
+                                      </a:rPr>
+                                      <m:t>3</m:t>
+                                    </m:r>
+                                  </m:sub>
+                                </m:sSub>
+                              </m:e>
+                            </m:mr>
+                            <m:mr>
+                              <m:e>
+                                <m:sSub>
+                                  <m:sSubPr>
+                                    <m:ctrlPr>
+                                      <a:rPr lang="ar-AE" altLang="ko-KR" i="1">
+                                        <a:latin typeface="Cambria Math" panose="02040503050406030204" pitchFamily="18" charset="0"/>
+                                      </a:rPr>
+                                    </m:ctrlPr>
+                                  </m:sSubPr>
+                                  <m:e>
+                                    <m:r>
+                                      <a:rPr lang="ko-KR" altLang="ar-AE" i="1">
+                                        <a:latin typeface="Cambria Math" panose="02040503050406030204" pitchFamily="18" charset="0"/>
+                                      </a:rPr>
+                                      <m:t>𝑣</m:t>
+                                    </m:r>
+                                  </m:e>
+                                  <m:sub>
+                                    <m:r>
+                                      <a:rPr lang="ar-AE" altLang="ko-KR" i="0">
+                                        <a:latin typeface="Cambria Math" panose="02040503050406030204" pitchFamily="18" charset="0"/>
+                                      </a:rPr>
+                                      <m:t>4</m:t>
+                                    </m:r>
+                                  </m:sub>
+                                </m:sSub>
+                              </m:e>
+                            </m:mr>
+                          </m:m>
+                        </m:e>
+                      </m:d>
+                    </m:oMath>
+                  </m:oMathPara>
+                </a14:m>
+                <a:endParaRPr lang="ar-AE" altLang="ko-KR" dirty="0"/>
+              </a:p>
+              <a:p>
+                <a:pPr>
+                  <a:buNone/>
+                </a:pPr>
+                <a:r>
+                  <a:rPr lang="ko-KR" altLang="en-US" dirty="0"/>
+                  <a:t>곱셈 결과</a:t>
+                </a:r>
+                <a:r>
+                  <a:rPr lang="en-US" altLang="ko-KR" dirty="0"/>
+                  <a:t>:</a:t>
+                </a:r>
+              </a:p>
+              <a:p>
+                <a:pPr>
+                  <a:buNone/>
+                </a:pPr>
+                <a14:m>
+                  <m:oMathPara xmlns:m="http://schemas.openxmlformats.org/officeDocument/2006/math">
+                    <m:oMathParaPr>
+                      <m:jc m:val="centerGroup"/>
+                    </m:oMathParaPr>
+                    <m:oMath xmlns:m="http://schemas.openxmlformats.org/officeDocument/2006/math">
+                      <m:r>
+                        <a:rPr lang="ko-KR" altLang="en-US" i="1">
+                          <a:latin typeface="Cambria Math" panose="02040503050406030204" pitchFamily="18" charset="0"/>
+                        </a:rPr>
+                        <m:t>𝑀𝑣</m:t>
+                      </m:r>
+                      <m:r>
+                        <a:rPr lang="en-US" altLang="ko-KR" i="0">
+                          <a:latin typeface="Cambria Math" panose="02040503050406030204" pitchFamily="18" charset="0"/>
+                        </a:rPr>
+                        <m:t>=</m:t>
+                      </m:r>
+                      <m:d>
+                        <m:dPr>
+                          <m:begChr m:val="["/>
+                          <m:endChr m:val="]"/>
+                          <m:ctrlPr>
+                            <a:rPr lang="ar-AE" altLang="ko-KR" i="1">
+                              <a:latin typeface="Cambria Math" panose="02040503050406030204" pitchFamily="18" charset="0"/>
+                            </a:rPr>
+                          </m:ctrlPr>
+                        </m:dPr>
+                        <m:e>
+                          <m:m>
+                            <m:mPr>
+                              <m:plcHide m:val="on"/>
+                              <m:mcs>
+                                <m:mc>
+                                  <m:mcPr>
+                                    <m:count m:val="1"/>
+                                    <m:mcJc m:val="center"/>
+                                  </m:mcPr>
+                                </m:mc>
+                              </m:mcs>
+                              <m:ctrlPr>
+                                <a:rPr lang="ar-AE" altLang="ko-KR" i="1">
+                                  <a:latin typeface="Cambria Math" panose="02040503050406030204" pitchFamily="18" charset="0"/>
+                                </a:rPr>
+                              </m:ctrlPr>
+                            </m:mPr>
+                            <m:mr>
+                              <m:e>
+                                <m:sSub>
+                                  <m:sSubPr>
+                                    <m:ctrlPr>
+                                      <a:rPr lang="ar-AE" altLang="ko-KR" i="1">
+                                        <a:latin typeface="Cambria Math" panose="02040503050406030204" pitchFamily="18" charset="0"/>
+                                      </a:rPr>
+                                    </m:ctrlPr>
+                                  </m:sSubPr>
+                                  <m:e>
+                                    <m:r>
+                                      <a:rPr lang="ko-KR" altLang="ar-AE" i="1">
+                                        <a:latin typeface="Cambria Math" panose="02040503050406030204" pitchFamily="18" charset="0"/>
+                                      </a:rPr>
+                                      <m:t>𝑚</m:t>
+                                    </m:r>
+                                  </m:e>
+                                  <m:sub>
+                                    <m:r>
+                                      <a:rPr lang="ar-AE" altLang="ko-KR" i="0">
+                                        <a:latin typeface="Cambria Math" panose="02040503050406030204" pitchFamily="18" charset="0"/>
+                                      </a:rPr>
+                                      <m:t>11</m:t>
+                                    </m:r>
+                                  </m:sub>
+                                </m:sSub>
+                                <m:sSub>
+                                  <m:sSubPr>
+                                    <m:ctrlPr>
+                                      <a:rPr lang="ar-AE" altLang="ko-KR" i="1">
+                                        <a:latin typeface="Cambria Math" panose="02040503050406030204" pitchFamily="18" charset="0"/>
+                                      </a:rPr>
+                                    </m:ctrlPr>
+                                  </m:sSubPr>
+                                  <m:e>
+                                    <m:r>
+                                      <a:rPr lang="ko-KR" altLang="ar-AE" i="1">
+                                        <a:latin typeface="Cambria Math" panose="02040503050406030204" pitchFamily="18" charset="0"/>
+                                      </a:rPr>
+                                      <m:t>𝑣</m:t>
+                                    </m:r>
+                                  </m:e>
+                                  <m:sub>
+                                    <m:r>
+                                      <a:rPr lang="ar-AE" altLang="ko-KR" i="0">
+                                        <a:latin typeface="Cambria Math" panose="02040503050406030204" pitchFamily="18" charset="0"/>
+                                      </a:rPr>
+                                      <m:t>1</m:t>
+                                    </m:r>
+                                  </m:sub>
+                                </m:sSub>
+                                <m:r>
+                                  <a:rPr lang="ar-AE" altLang="ko-KR" i="0">
+                                    <a:latin typeface="Cambria Math" panose="02040503050406030204" pitchFamily="18" charset="0"/>
+                                  </a:rPr>
+                                  <m:t>+</m:t>
+                                </m:r>
+                                <m:sSub>
+                                  <m:sSubPr>
+                                    <m:ctrlPr>
+                                      <a:rPr lang="ar-AE" altLang="ko-KR" i="1">
+                                        <a:latin typeface="Cambria Math" panose="02040503050406030204" pitchFamily="18" charset="0"/>
+                                      </a:rPr>
+                                    </m:ctrlPr>
+                                  </m:sSubPr>
+                                  <m:e>
+                                    <m:r>
+                                      <a:rPr lang="ko-KR" altLang="ar-AE" i="1">
+                                        <a:latin typeface="Cambria Math" panose="02040503050406030204" pitchFamily="18" charset="0"/>
+                                      </a:rPr>
+                                      <m:t>𝑚</m:t>
+                                    </m:r>
+                                  </m:e>
+                                  <m:sub>
+                                    <m:r>
+                                      <a:rPr lang="ar-AE" altLang="ko-KR" i="0">
+                                        <a:latin typeface="Cambria Math" panose="02040503050406030204" pitchFamily="18" charset="0"/>
+                                      </a:rPr>
+                                      <m:t>12</m:t>
+                                    </m:r>
+                                  </m:sub>
+                                </m:sSub>
+                                <m:sSub>
+                                  <m:sSubPr>
+                                    <m:ctrlPr>
+                                      <a:rPr lang="ar-AE" altLang="ko-KR" i="1">
+                                        <a:latin typeface="Cambria Math" panose="02040503050406030204" pitchFamily="18" charset="0"/>
+                                      </a:rPr>
+                                    </m:ctrlPr>
+                                  </m:sSubPr>
+                                  <m:e>
+                                    <m:r>
+                                      <a:rPr lang="ko-KR" altLang="ar-AE" i="1">
+                                        <a:latin typeface="Cambria Math" panose="02040503050406030204" pitchFamily="18" charset="0"/>
+                                      </a:rPr>
+                                      <m:t>𝑣</m:t>
+                                    </m:r>
+                                  </m:e>
+                                  <m:sub>
+                                    <m:r>
+                                      <a:rPr lang="ar-AE" altLang="ko-KR" i="0">
+                                        <a:latin typeface="Cambria Math" panose="02040503050406030204" pitchFamily="18" charset="0"/>
+                                      </a:rPr>
+                                      <m:t>2</m:t>
+                                    </m:r>
+                                  </m:sub>
+                                </m:sSub>
+                                <m:r>
+                                  <a:rPr lang="ar-AE" altLang="ko-KR" i="0">
+                                    <a:latin typeface="Cambria Math" panose="02040503050406030204" pitchFamily="18" charset="0"/>
+                                  </a:rPr>
+                                  <m:t>+</m:t>
+                                </m:r>
+                                <m:sSub>
+                                  <m:sSubPr>
+                                    <m:ctrlPr>
+                                      <a:rPr lang="ar-AE" altLang="ko-KR" i="1">
+                                        <a:latin typeface="Cambria Math" panose="02040503050406030204" pitchFamily="18" charset="0"/>
+                                      </a:rPr>
+                                    </m:ctrlPr>
+                                  </m:sSubPr>
+                                  <m:e>
+                                    <m:r>
+                                      <a:rPr lang="ko-KR" altLang="ar-AE" i="1">
+                                        <a:latin typeface="Cambria Math" panose="02040503050406030204" pitchFamily="18" charset="0"/>
+                                      </a:rPr>
+                                      <m:t>𝑚</m:t>
+                                    </m:r>
+                                  </m:e>
+                                  <m:sub>
+                                    <m:r>
+                                      <a:rPr lang="ar-AE" altLang="ko-KR" i="0">
+                                        <a:latin typeface="Cambria Math" panose="02040503050406030204" pitchFamily="18" charset="0"/>
+                                      </a:rPr>
+                                      <m:t>13</m:t>
+                                    </m:r>
+                                  </m:sub>
+                                </m:sSub>
+                                <m:sSub>
+                                  <m:sSubPr>
+                                    <m:ctrlPr>
+                                      <a:rPr lang="ar-AE" altLang="ko-KR" i="1">
+                                        <a:latin typeface="Cambria Math" panose="02040503050406030204" pitchFamily="18" charset="0"/>
+                                      </a:rPr>
+                                    </m:ctrlPr>
+                                  </m:sSubPr>
+                                  <m:e>
+                                    <m:r>
+                                      <a:rPr lang="ko-KR" altLang="ar-AE" i="1">
+                                        <a:latin typeface="Cambria Math" panose="02040503050406030204" pitchFamily="18" charset="0"/>
+                                      </a:rPr>
+                                      <m:t>𝑣</m:t>
+                                    </m:r>
+                                  </m:e>
+                                  <m:sub>
+                                    <m:r>
+                                      <a:rPr lang="ar-AE" altLang="ko-KR" i="0">
+                                        <a:latin typeface="Cambria Math" panose="02040503050406030204" pitchFamily="18" charset="0"/>
+                                      </a:rPr>
+                                      <m:t>3</m:t>
+                                    </m:r>
+                                  </m:sub>
+                                </m:sSub>
+                                <m:r>
+                                  <a:rPr lang="ar-AE" altLang="ko-KR" i="0">
+                                    <a:latin typeface="Cambria Math" panose="02040503050406030204" pitchFamily="18" charset="0"/>
+                                  </a:rPr>
+                                  <m:t>+</m:t>
+                                </m:r>
+                                <m:sSub>
+                                  <m:sSubPr>
+                                    <m:ctrlPr>
+                                      <a:rPr lang="ar-AE" altLang="ko-KR" i="1">
+                                        <a:latin typeface="Cambria Math" panose="02040503050406030204" pitchFamily="18" charset="0"/>
+                                      </a:rPr>
+                                    </m:ctrlPr>
+                                  </m:sSubPr>
+                                  <m:e>
+                                    <m:r>
+                                      <a:rPr lang="ko-KR" altLang="ar-AE" i="1">
+                                        <a:latin typeface="Cambria Math" panose="02040503050406030204" pitchFamily="18" charset="0"/>
+                                      </a:rPr>
+                                      <m:t>𝑚</m:t>
+                                    </m:r>
+                                  </m:e>
+                                  <m:sub>
+                                    <m:r>
+                                      <a:rPr lang="ar-AE" altLang="ko-KR" i="0">
+                                        <a:latin typeface="Cambria Math" panose="02040503050406030204" pitchFamily="18" charset="0"/>
+                                      </a:rPr>
+                                      <m:t>14</m:t>
+                                    </m:r>
+                                  </m:sub>
+                                </m:sSub>
+                                <m:sSub>
+                                  <m:sSubPr>
+                                    <m:ctrlPr>
+                                      <a:rPr lang="ar-AE" altLang="ko-KR" i="1">
+                                        <a:latin typeface="Cambria Math" panose="02040503050406030204" pitchFamily="18" charset="0"/>
+                                      </a:rPr>
+                                    </m:ctrlPr>
+                                  </m:sSubPr>
+                                  <m:e>
+                                    <m:r>
+                                      <a:rPr lang="ko-KR" altLang="ar-AE" i="1">
+                                        <a:latin typeface="Cambria Math" panose="02040503050406030204" pitchFamily="18" charset="0"/>
+                                      </a:rPr>
+                                      <m:t>𝑣</m:t>
+                                    </m:r>
+                                  </m:e>
+                                  <m:sub>
+                                    <m:r>
+                                      <a:rPr lang="ar-AE" altLang="ko-KR" i="0">
+                                        <a:latin typeface="Cambria Math" panose="02040503050406030204" pitchFamily="18" charset="0"/>
+                                      </a:rPr>
+                                      <m:t>4</m:t>
+                                    </m:r>
+                                  </m:sub>
+                                </m:sSub>
+                              </m:e>
+                            </m:mr>
+                            <m:mr>
+                              <m:e>
+                                <m:sSub>
+                                  <m:sSubPr>
+                                    <m:ctrlPr>
+                                      <a:rPr lang="ar-AE" altLang="ko-KR" i="1">
+                                        <a:latin typeface="Cambria Math" panose="02040503050406030204" pitchFamily="18" charset="0"/>
+                                      </a:rPr>
+                                    </m:ctrlPr>
+                                  </m:sSubPr>
+                                  <m:e>
+                                    <m:r>
+                                      <a:rPr lang="ko-KR" altLang="ar-AE" i="1">
+                                        <a:latin typeface="Cambria Math" panose="02040503050406030204" pitchFamily="18" charset="0"/>
+                                      </a:rPr>
+                                      <m:t>𝑚</m:t>
+                                    </m:r>
+                                  </m:e>
+                                  <m:sub>
+                                    <m:r>
+                                      <a:rPr lang="ar-AE" altLang="ko-KR" i="0">
+                                        <a:latin typeface="Cambria Math" panose="02040503050406030204" pitchFamily="18" charset="0"/>
+                                      </a:rPr>
+                                      <m:t>21</m:t>
+                                    </m:r>
+                                  </m:sub>
+                                </m:sSub>
+                                <m:sSub>
+                                  <m:sSubPr>
+                                    <m:ctrlPr>
+                                      <a:rPr lang="ar-AE" altLang="ko-KR" i="1">
+                                        <a:latin typeface="Cambria Math" panose="02040503050406030204" pitchFamily="18" charset="0"/>
+                                      </a:rPr>
+                                    </m:ctrlPr>
+                                  </m:sSubPr>
+                                  <m:e>
+                                    <m:r>
+                                      <a:rPr lang="ko-KR" altLang="ar-AE" i="1">
+                                        <a:latin typeface="Cambria Math" panose="02040503050406030204" pitchFamily="18" charset="0"/>
+                                      </a:rPr>
+                                      <m:t>𝑣</m:t>
+                                    </m:r>
+                                  </m:e>
+                                  <m:sub>
+                                    <m:r>
+                                      <a:rPr lang="ar-AE" altLang="ko-KR" i="0">
+                                        <a:latin typeface="Cambria Math" panose="02040503050406030204" pitchFamily="18" charset="0"/>
+                                      </a:rPr>
+                                      <m:t>1</m:t>
+                                    </m:r>
+                                  </m:sub>
+                                </m:sSub>
+                                <m:r>
+                                  <a:rPr lang="ar-AE" altLang="ko-KR" i="0">
+                                    <a:latin typeface="Cambria Math" panose="02040503050406030204" pitchFamily="18" charset="0"/>
+                                  </a:rPr>
+                                  <m:t>+</m:t>
+                                </m:r>
+                                <m:sSub>
+                                  <m:sSubPr>
+                                    <m:ctrlPr>
+                                      <a:rPr lang="ar-AE" altLang="ko-KR" i="1">
+                                        <a:latin typeface="Cambria Math" panose="02040503050406030204" pitchFamily="18" charset="0"/>
+                                      </a:rPr>
+                                    </m:ctrlPr>
+                                  </m:sSubPr>
+                                  <m:e>
+                                    <m:r>
+                                      <a:rPr lang="ko-KR" altLang="ar-AE" i="1">
+                                        <a:latin typeface="Cambria Math" panose="02040503050406030204" pitchFamily="18" charset="0"/>
+                                      </a:rPr>
+                                      <m:t>𝑚</m:t>
+                                    </m:r>
+                                  </m:e>
+                                  <m:sub>
+                                    <m:r>
+                                      <a:rPr lang="ar-AE" altLang="ko-KR" i="0">
+                                        <a:latin typeface="Cambria Math" panose="02040503050406030204" pitchFamily="18" charset="0"/>
+                                      </a:rPr>
+                                      <m:t>22</m:t>
+                                    </m:r>
+                                  </m:sub>
+                                </m:sSub>
+                                <m:sSub>
+                                  <m:sSubPr>
+                                    <m:ctrlPr>
+                                      <a:rPr lang="ar-AE" altLang="ko-KR" i="1">
+                                        <a:latin typeface="Cambria Math" panose="02040503050406030204" pitchFamily="18" charset="0"/>
+                                      </a:rPr>
+                                    </m:ctrlPr>
+                                  </m:sSubPr>
+                                  <m:e>
+                                    <m:r>
+                                      <a:rPr lang="ko-KR" altLang="ar-AE" i="1">
+                                        <a:latin typeface="Cambria Math" panose="02040503050406030204" pitchFamily="18" charset="0"/>
+                                      </a:rPr>
+                                      <m:t>𝑣</m:t>
+                                    </m:r>
+                                  </m:e>
+                                  <m:sub>
+                                    <m:r>
+                                      <a:rPr lang="ar-AE" altLang="ko-KR" i="0">
+                                        <a:latin typeface="Cambria Math" panose="02040503050406030204" pitchFamily="18" charset="0"/>
+                                      </a:rPr>
+                                      <m:t>2</m:t>
+                                    </m:r>
+                                  </m:sub>
+                                </m:sSub>
+                                <m:r>
+                                  <a:rPr lang="ar-AE" altLang="ko-KR" i="0">
+                                    <a:latin typeface="Cambria Math" panose="02040503050406030204" pitchFamily="18" charset="0"/>
+                                  </a:rPr>
+                                  <m:t>+</m:t>
+                                </m:r>
+                                <m:sSub>
+                                  <m:sSubPr>
+                                    <m:ctrlPr>
+                                      <a:rPr lang="ar-AE" altLang="ko-KR" i="1">
+                                        <a:latin typeface="Cambria Math" panose="02040503050406030204" pitchFamily="18" charset="0"/>
+                                      </a:rPr>
+                                    </m:ctrlPr>
+                                  </m:sSubPr>
+                                  <m:e>
+                                    <m:r>
+                                      <a:rPr lang="ko-KR" altLang="ar-AE" i="1">
+                                        <a:latin typeface="Cambria Math" panose="02040503050406030204" pitchFamily="18" charset="0"/>
+                                      </a:rPr>
+                                      <m:t>𝑚</m:t>
+                                    </m:r>
+                                  </m:e>
+                                  <m:sub>
+                                    <m:r>
+                                      <a:rPr lang="ar-AE" altLang="ko-KR" i="0">
+                                        <a:latin typeface="Cambria Math" panose="02040503050406030204" pitchFamily="18" charset="0"/>
+                                      </a:rPr>
+                                      <m:t>23</m:t>
+                                    </m:r>
+                                  </m:sub>
+                                </m:sSub>
+                                <m:sSub>
+                                  <m:sSubPr>
+                                    <m:ctrlPr>
+                                      <a:rPr lang="ar-AE" altLang="ko-KR" i="1">
+                                        <a:latin typeface="Cambria Math" panose="02040503050406030204" pitchFamily="18" charset="0"/>
+                                      </a:rPr>
+                                    </m:ctrlPr>
+                                  </m:sSubPr>
+                                  <m:e>
+                                    <m:r>
+                                      <a:rPr lang="ko-KR" altLang="ar-AE" i="1">
+                                        <a:latin typeface="Cambria Math" panose="02040503050406030204" pitchFamily="18" charset="0"/>
+                                      </a:rPr>
+                                      <m:t>𝑣</m:t>
+                                    </m:r>
+                                  </m:e>
+                                  <m:sub>
+                                    <m:r>
+                                      <a:rPr lang="ar-AE" altLang="ko-KR" i="0">
+                                        <a:latin typeface="Cambria Math" panose="02040503050406030204" pitchFamily="18" charset="0"/>
+                                      </a:rPr>
+                                      <m:t>3</m:t>
+                                    </m:r>
+                                  </m:sub>
+                                </m:sSub>
+                                <m:r>
+                                  <a:rPr lang="ar-AE" altLang="ko-KR" i="0">
+                                    <a:latin typeface="Cambria Math" panose="02040503050406030204" pitchFamily="18" charset="0"/>
+                                  </a:rPr>
+                                  <m:t>+</m:t>
+                                </m:r>
+                                <m:sSub>
+                                  <m:sSubPr>
+                                    <m:ctrlPr>
+                                      <a:rPr lang="ar-AE" altLang="ko-KR" i="1">
+                                        <a:latin typeface="Cambria Math" panose="02040503050406030204" pitchFamily="18" charset="0"/>
+                                      </a:rPr>
+                                    </m:ctrlPr>
+                                  </m:sSubPr>
+                                  <m:e>
+                                    <m:r>
+                                      <a:rPr lang="ko-KR" altLang="ar-AE" i="1">
+                                        <a:latin typeface="Cambria Math" panose="02040503050406030204" pitchFamily="18" charset="0"/>
+                                      </a:rPr>
+                                      <m:t>𝑚</m:t>
+                                    </m:r>
+                                  </m:e>
+                                  <m:sub>
+                                    <m:r>
+                                      <a:rPr lang="ar-AE" altLang="ko-KR" i="0">
+                                        <a:latin typeface="Cambria Math" panose="02040503050406030204" pitchFamily="18" charset="0"/>
+                                      </a:rPr>
+                                      <m:t>24</m:t>
+                                    </m:r>
+                                  </m:sub>
+                                </m:sSub>
+                                <m:sSub>
+                                  <m:sSubPr>
+                                    <m:ctrlPr>
+                                      <a:rPr lang="ar-AE" altLang="ko-KR" i="1">
+                                        <a:latin typeface="Cambria Math" panose="02040503050406030204" pitchFamily="18" charset="0"/>
+                                      </a:rPr>
+                                    </m:ctrlPr>
+                                  </m:sSubPr>
+                                  <m:e>
+                                    <m:r>
+                                      <a:rPr lang="ko-KR" altLang="ar-AE" i="1">
+                                        <a:latin typeface="Cambria Math" panose="02040503050406030204" pitchFamily="18" charset="0"/>
+                                      </a:rPr>
+                                      <m:t>𝑣</m:t>
+                                    </m:r>
+                                  </m:e>
+                                  <m:sub>
+                                    <m:r>
+                                      <a:rPr lang="ar-AE" altLang="ko-KR" i="0">
+                                        <a:latin typeface="Cambria Math" panose="02040503050406030204" pitchFamily="18" charset="0"/>
+                                      </a:rPr>
+                                      <m:t>4</m:t>
+                                    </m:r>
+                                  </m:sub>
+                                </m:sSub>
+                              </m:e>
+                            </m:mr>
+                            <m:mr>
+                              <m:e>
+                                <m:sSub>
+                                  <m:sSubPr>
+                                    <m:ctrlPr>
+                                      <a:rPr lang="ar-AE" altLang="ko-KR" i="1">
+                                        <a:latin typeface="Cambria Math" panose="02040503050406030204" pitchFamily="18" charset="0"/>
+                                      </a:rPr>
+                                    </m:ctrlPr>
+                                  </m:sSubPr>
+                                  <m:e>
+                                    <m:r>
+                                      <a:rPr lang="ko-KR" altLang="ar-AE" i="1">
+                                        <a:latin typeface="Cambria Math" panose="02040503050406030204" pitchFamily="18" charset="0"/>
+                                      </a:rPr>
+                                      <m:t>𝑚</m:t>
+                                    </m:r>
+                                  </m:e>
+                                  <m:sub>
+                                    <m:r>
+                                      <a:rPr lang="ar-AE" altLang="ko-KR" i="0">
+                                        <a:latin typeface="Cambria Math" panose="02040503050406030204" pitchFamily="18" charset="0"/>
+                                      </a:rPr>
+                                      <m:t>31</m:t>
+                                    </m:r>
+                                  </m:sub>
+                                </m:sSub>
+                                <m:sSub>
+                                  <m:sSubPr>
+                                    <m:ctrlPr>
+                                      <a:rPr lang="ar-AE" altLang="ko-KR" i="1">
+                                        <a:latin typeface="Cambria Math" panose="02040503050406030204" pitchFamily="18" charset="0"/>
+                                      </a:rPr>
+                                    </m:ctrlPr>
+                                  </m:sSubPr>
+                                  <m:e>
+                                    <m:r>
+                                      <a:rPr lang="ko-KR" altLang="ar-AE" i="1">
+                                        <a:latin typeface="Cambria Math" panose="02040503050406030204" pitchFamily="18" charset="0"/>
+                                      </a:rPr>
+                                      <m:t>𝑣</m:t>
+                                    </m:r>
+                                  </m:e>
+                                  <m:sub>
+                                    <m:r>
+                                      <a:rPr lang="ar-AE" altLang="ko-KR" i="0">
+                                        <a:latin typeface="Cambria Math" panose="02040503050406030204" pitchFamily="18" charset="0"/>
+                                      </a:rPr>
+                                      <m:t>1</m:t>
+                                    </m:r>
+                                  </m:sub>
+                                </m:sSub>
+                                <m:r>
+                                  <a:rPr lang="ar-AE" altLang="ko-KR" i="0">
+                                    <a:latin typeface="Cambria Math" panose="02040503050406030204" pitchFamily="18" charset="0"/>
+                                  </a:rPr>
+                                  <m:t>+</m:t>
+                                </m:r>
+                                <m:sSub>
+                                  <m:sSubPr>
+                                    <m:ctrlPr>
+                                      <a:rPr lang="ar-AE" altLang="ko-KR" i="1">
+                                        <a:latin typeface="Cambria Math" panose="02040503050406030204" pitchFamily="18" charset="0"/>
+                                      </a:rPr>
+                                    </m:ctrlPr>
+                                  </m:sSubPr>
+                                  <m:e>
+                                    <m:r>
+                                      <a:rPr lang="ko-KR" altLang="ar-AE" i="1">
+                                        <a:latin typeface="Cambria Math" panose="02040503050406030204" pitchFamily="18" charset="0"/>
+                                      </a:rPr>
+                                      <m:t>𝑚</m:t>
+                                    </m:r>
+                                  </m:e>
+                                  <m:sub>
+                                    <m:r>
+                                      <a:rPr lang="ar-AE" altLang="ko-KR" i="0">
+                                        <a:latin typeface="Cambria Math" panose="02040503050406030204" pitchFamily="18" charset="0"/>
+                                      </a:rPr>
+                                      <m:t>32</m:t>
+                                    </m:r>
+                                  </m:sub>
+                                </m:sSub>
+                                <m:sSub>
+                                  <m:sSubPr>
+                                    <m:ctrlPr>
+                                      <a:rPr lang="ar-AE" altLang="ko-KR" i="1">
+                                        <a:latin typeface="Cambria Math" panose="02040503050406030204" pitchFamily="18" charset="0"/>
+                                      </a:rPr>
+                                    </m:ctrlPr>
+                                  </m:sSubPr>
+                                  <m:e>
+                                    <m:r>
+                                      <a:rPr lang="ko-KR" altLang="ar-AE" i="1">
+                                        <a:latin typeface="Cambria Math" panose="02040503050406030204" pitchFamily="18" charset="0"/>
+                                      </a:rPr>
+                                      <m:t>𝑣</m:t>
+                                    </m:r>
+                                  </m:e>
+                                  <m:sub>
+                                    <m:r>
+                                      <a:rPr lang="ar-AE" altLang="ko-KR" i="0">
+                                        <a:latin typeface="Cambria Math" panose="02040503050406030204" pitchFamily="18" charset="0"/>
+                                      </a:rPr>
+                                      <m:t>2</m:t>
+                                    </m:r>
+                                  </m:sub>
+                                </m:sSub>
+                                <m:r>
+                                  <a:rPr lang="ar-AE" altLang="ko-KR" i="0">
+                                    <a:latin typeface="Cambria Math" panose="02040503050406030204" pitchFamily="18" charset="0"/>
+                                  </a:rPr>
+                                  <m:t>+</m:t>
+                                </m:r>
+                                <m:sSub>
+                                  <m:sSubPr>
+                                    <m:ctrlPr>
+                                      <a:rPr lang="ar-AE" altLang="ko-KR" i="1">
+                                        <a:latin typeface="Cambria Math" panose="02040503050406030204" pitchFamily="18" charset="0"/>
+                                      </a:rPr>
+                                    </m:ctrlPr>
+                                  </m:sSubPr>
+                                  <m:e>
+                                    <m:r>
+                                      <a:rPr lang="ko-KR" altLang="ar-AE" i="1">
+                                        <a:latin typeface="Cambria Math" panose="02040503050406030204" pitchFamily="18" charset="0"/>
+                                      </a:rPr>
+                                      <m:t>𝑚</m:t>
+                                    </m:r>
+                                  </m:e>
+                                  <m:sub>
+                                    <m:r>
+                                      <a:rPr lang="ar-AE" altLang="ko-KR" i="0">
+                                        <a:latin typeface="Cambria Math" panose="02040503050406030204" pitchFamily="18" charset="0"/>
+                                      </a:rPr>
+                                      <m:t>33</m:t>
+                                    </m:r>
+                                  </m:sub>
+                                </m:sSub>
+                                <m:sSub>
+                                  <m:sSubPr>
+                                    <m:ctrlPr>
+                                      <a:rPr lang="ar-AE" altLang="ko-KR" i="1">
+                                        <a:latin typeface="Cambria Math" panose="02040503050406030204" pitchFamily="18" charset="0"/>
+                                      </a:rPr>
+                                    </m:ctrlPr>
+                                  </m:sSubPr>
+                                  <m:e>
+                                    <m:r>
+                                      <a:rPr lang="ko-KR" altLang="ar-AE" i="1">
+                                        <a:latin typeface="Cambria Math" panose="02040503050406030204" pitchFamily="18" charset="0"/>
+                                      </a:rPr>
+                                      <m:t>𝑣</m:t>
+                                    </m:r>
+                                  </m:e>
+                                  <m:sub>
+                                    <m:r>
+                                      <a:rPr lang="ar-AE" altLang="ko-KR" i="0">
+                                        <a:latin typeface="Cambria Math" panose="02040503050406030204" pitchFamily="18" charset="0"/>
+                                      </a:rPr>
+                                      <m:t>3</m:t>
+                                    </m:r>
+                                  </m:sub>
+                                </m:sSub>
+                                <m:r>
+                                  <a:rPr lang="ar-AE" altLang="ko-KR" i="0">
+                                    <a:latin typeface="Cambria Math" panose="02040503050406030204" pitchFamily="18" charset="0"/>
+                                  </a:rPr>
+                                  <m:t>+</m:t>
+                                </m:r>
+                                <m:sSub>
+                                  <m:sSubPr>
+                                    <m:ctrlPr>
+                                      <a:rPr lang="ar-AE" altLang="ko-KR" i="1">
+                                        <a:latin typeface="Cambria Math" panose="02040503050406030204" pitchFamily="18" charset="0"/>
+                                      </a:rPr>
+                                    </m:ctrlPr>
+                                  </m:sSubPr>
+                                  <m:e>
+                                    <m:r>
+                                      <a:rPr lang="ko-KR" altLang="ar-AE" i="1">
+                                        <a:latin typeface="Cambria Math" panose="02040503050406030204" pitchFamily="18" charset="0"/>
+                                      </a:rPr>
+                                      <m:t>𝑚</m:t>
+                                    </m:r>
+                                  </m:e>
+                                  <m:sub>
+                                    <m:r>
+                                      <a:rPr lang="ar-AE" altLang="ko-KR" i="0">
+                                        <a:latin typeface="Cambria Math" panose="02040503050406030204" pitchFamily="18" charset="0"/>
+                                      </a:rPr>
+                                      <m:t>34</m:t>
+                                    </m:r>
+                                  </m:sub>
+                                </m:sSub>
+                                <m:sSub>
+                                  <m:sSubPr>
+                                    <m:ctrlPr>
+                                      <a:rPr lang="ar-AE" altLang="ko-KR" i="1">
+                                        <a:latin typeface="Cambria Math" panose="02040503050406030204" pitchFamily="18" charset="0"/>
+                                      </a:rPr>
+                                    </m:ctrlPr>
+                                  </m:sSubPr>
+                                  <m:e>
+                                    <m:r>
+                                      <a:rPr lang="ko-KR" altLang="ar-AE" i="1">
+                                        <a:latin typeface="Cambria Math" panose="02040503050406030204" pitchFamily="18" charset="0"/>
+                                      </a:rPr>
+                                      <m:t>𝑣</m:t>
+                                    </m:r>
+                                  </m:e>
+                                  <m:sub>
+                                    <m:r>
+                                      <a:rPr lang="ar-AE" altLang="ko-KR" i="0">
+                                        <a:latin typeface="Cambria Math" panose="02040503050406030204" pitchFamily="18" charset="0"/>
+                                      </a:rPr>
+                                      <m:t>4</m:t>
+                                    </m:r>
+                                  </m:sub>
+                                </m:sSub>
+                              </m:e>
+                            </m:mr>
+                            <m:mr>
+                              <m:e>
+                                <m:sSub>
+                                  <m:sSubPr>
+                                    <m:ctrlPr>
+                                      <a:rPr lang="ar-AE" altLang="ko-KR" i="1">
+                                        <a:latin typeface="Cambria Math" panose="02040503050406030204" pitchFamily="18" charset="0"/>
+                                      </a:rPr>
+                                    </m:ctrlPr>
+                                  </m:sSubPr>
+                                  <m:e>
+                                    <m:r>
+                                      <a:rPr lang="ko-KR" altLang="ar-AE" i="1">
+                                        <a:latin typeface="Cambria Math" panose="02040503050406030204" pitchFamily="18" charset="0"/>
+                                      </a:rPr>
+                                      <m:t>𝑚</m:t>
+                                    </m:r>
+                                  </m:e>
+                                  <m:sub>
+                                    <m:r>
+                                      <a:rPr lang="ar-AE" altLang="ko-KR" i="0">
+                                        <a:latin typeface="Cambria Math" panose="02040503050406030204" pitchFamily="18" charset="0"/>
+                                      </a:rPr>
+                                      <m:t>41</m:t>
+                                    </m:r>
+                                  </m:sub>
+                                </m:sSub>
+                                <m:sSub>
+                                  <m:sSubPr>
+                                    <m:ctrlPr>
+                                      <a:rPr lang="ar-AE" altLang="ko-KR" i="1">
+                                        <a:latin typeface="Cambria Math" panose="02040503050406030204" pitchFamily="18" charset="0"/>
+                                      </a:rPr>
+                                    </m:ctrlPr>
+                                  </m:sSubPr>
+                                  <m:e>
+                                    <m:r>
+                                      <a:rPr lang="ko-KR" altLang="ar-AE" i="1">
+                                        <a:latin typeface="Cambria Math" panose="02040503050406030204" pitchFamily="18" charset="0"/>
+                                      </a:rPr>
+                                      <m:t>𝑣</m:t>
+                                    </m:r>
+                                  </m:e>
+                                  <m:sub>
+                                    <m:r>
+                                      <a:rPr lang="ar-AE" altLang="ko-KR" i="0">
+                                        <a:latin typeface="Cambria Math" panose="02040503050406030204" pitchFamily="18" charset="0"/>
+                                      </a:rPr>
+                                      <m:t>1</m:t>
+                                    </m:r>
+                                  </m:sub>
+                                </m:sSub>
+                                <m:r>
+                                  <a:rPr lang="ar-AE" altLang="ko-KR" i="0">
+                                    <a:latin typeface="Cambria Math" panose="02040503050406030204" pitchFamily="18" charset="0"/>
+                                  </a:rPr>
+                                  <m:t>+</m:t>
+                                </m:r>
+                                <m:sSub>
+                                  <m:sSubPr>
+                                    <m:ctrlPr>
+                                      <a:rPr lang="ar-AE" altLang="ko-KR" i="1">
+                                        <a:latin typeface="Cambria Math" panose="02040503050406030204" pitchFamily="18" charset="0"/>
+                                      </a:rPr>
+                                    </m:ctrlPr>
+                                  </m:sSubPr>
+                                  <m:e>
+                                    <m:r>
+                                      <a:rPr lang="ko-KR" altLang="ar-AE" i="1">
+                                        <a:latin typeface="Cambria Math" panose="02040503050406030204" pitchFamily="18" charset="0"/>
+                                      </a:rPr>
+                                      <m:t>𝑚</m:t>
+                                    </m:r>
+                                  </m:e>
+                                  <m:sub>
+                                    <m:r>
+                                      <a:rPr lang="ar-AE" altLang="ko-KR" i="0">
+                                        <a:latin typeface="Cambria Math" panose="02040503050406030204" pitchFamily="18" charset="0"/>
+                                      </a:rPr>
+                                      <m:t>42</m:t>
+                                    </m:r>
+                                  </m:sub>
+                                </m:sSub>
+                                <m:sSub>
+                                  <m:sSubPr>
+                                    <m:ctrlPr>
+                                      <a:rPr lang="ar-AE" altLang="ko-KR" i="1">
+                                        <a:latin typeface="Cambria Math" panose="02040503050406030204" pitchFamily="18" charset="0"/>
+                                      </a:rPr>
+                                    </m:ctrlPr>
+                                  </m:sSubPr>
+                                  <m:e>
+                                    <m:r>
+                                      <a:rPr lang="ko-KR" altLang="ar-AE" i="1">
+                                        <a:latin typeface="Cambria Math" panose="02040503050406030204" pitchFamily="18" charset="0"/>
+                                      </a:rPr>
+                                      <m:t>𝑣</m:t>
+                                    </m:r>
+                                  </m:e>
+                                  <m:sub>
+                                    <m:r>
+                                      <a:rPr lang="ar-AE" altLang="ko-KR" i="0">
+                                        <a:latin typeface="Cambria Math" panose="02040503050406030204" pitchFamily="18" charset="0"/>
+                                      </a:rPr>
+                                      <m:t>2</m:t>
+                                    </m:r>
+                                  </m:sub>
+                                </m:sSub>
+                                <m:r>
+                                  <a:rPr lang="ar-AE" altLang="ko-KR" i="0">
+                                    <a:latin typeface="Cambria Math" panose="02040503050406030204" pitchFamily="18" charset="0"/>
+                                  </a:rPr>
+                                  <m:t>+</m:t>
+                                </m:r>
+                                <m:sSub>
+                                  <m:sSubPr>
+                                    <m:ctrlPr>
+                                      <a:rPr lang="ar-AE" altLang="ko-KR" i="1">
+                                        <a:latin typeface="Cambria Math" panose="02040503050406030204" pitchFamily="18" charset="0"/>
+                                      </a:rPr>
+                                    </m:ctrlPr>
+                                  </m:sSubPr>
+                                  <m:e>
+                                    <m:r>
+                                      <a:rPr lang="ko-KR" altLang="ar-AE" i="1">
+                                        <a:latin typeface="Cambria Math" panose="02040503050406030204" pitchFamily="18" charset="0"/>
+                                      </a:rPr>
+                                      <m:t>𝑚</m:t>
+                                    </m:r>
+                                  </m:e>
+                                  <m:sub>
+                                    <m:r>
+                                      <a:rPr lang="ar-AE" altLang="ko-KR" i="0">
+                                        <a:latin typeface="Cambria Math" panose="02040503050406030204" pitchFamily="18" charset="0"/>
+                                      </a:rPr>
+                                      <m:t>43</m:t>
+                                    </m:r>
+                                  </m:sub>
+                                </m:sSub>
+                                <m:sSub>
+                                  <m:sSubPr>
+                                    <m:ctrlPr>
+                                      <a:rPr lang="ar-AE" altLang="ko-KR" i="1">
+                                        <a:latin typeface="Cambria Math" panose="02040503050406030204" pitchFamily="18" charset="0"/>
+                                      </a:rPr>
+                                    </m:ctrlPr>
+                                  </m:sSubPr>
+                                  <m:e>
+                                    <m:r>
+                                      <a:rPr lang="ko-KR" altLang="ar-AE" i="1">
+                                        <a:latin typeface="Cambria Math" panose="02040503050406030204" pitchFamily="18" charset="0"/>
+                                      </a:rPr>
+                                      <m:t>𝑣</m:t>
+                                    </m:r>
+                                  </m:e>
+                                  <m:sub>
+                                    <m:r>
+                                      <a:rPr lang="ar-AE" altLang="ko-KR" i="0">
+                                        <a:latin typeface="Cambria Math" panose="02040503050406030204" pitchFamily="18" charset="0"/>
+                                      </a:rPr>
+                                      <m:t>3</m:t>
+                                    </m:r>
+                                  </m:sub>
+                                </m:sSub>
+                                <m:r>
+                                  <a:rPr lang="ar-AE" altLang="ko-KR" i="0">
+                                    <a:latin typeface="Cambria Math" panose="02040503050406030204" pitchFamily="18" charset="0"/>
+                                  </a:rPr>
+                                  <m:t>+</m:t>
+                                </m:r>
+                                <m:sSub>
+                                  <m:sSubPr>
+                                    <m:ctrlPr>
+                                      <a:rPr lang="ar-AE" altLang="ko-KR" i="1">
+                                        <a:latin typeface="Cambria Math" panose="02040503050406030204" pitchFamily="18" charset="0"/>
+                                      </a:rPr>
+                                    </m:ctrlPr>
+                                  </m:sSubPr>
+                                  <m:e>
+                                    <m:r>
+                                      <a:rPr lang="ko-KR" altLang="ar-AE" i="1">
+                                        <a:latin typeface="Cambria Math" panose="02040503050406030204" pitchFamily="18" charset="0"/>
+                                      </a:rPr>
+                                      <m:t>𝑚</m:t>
+                                    </m:r>
+                                  </m:e>
+                                  <m:sub>
+                                    <m:r>
+                                      <a:rPr lang="ar-AE" altLang="ko-KR" i="0">
+                                        <a:latin typeface="Cambria Math" panose="02040503050406030204" pitchFamily="18" charset="0"/>
+                                      </a:rPr>
+                                      <m:t>44</m:t>
+                                    </m:r>
+                                  </m:sub>
+                                </m:sSub>
+                                <m:sSub>
+                                  <m:sSubPr>
+                                    <m:ctrlPr>
+                                      <a:rPr lang="ar-AE" altLang="ko-KR" i="1">
+                                        <a:latin typeface="Cambria Math" panose="02040503050406030204" pitchFamily="18" charset="0"/>
+                                      </a:rPr>
+                                    </m:ctrlPr>
+                                  </m:sSubPr>
+                                  <m:e>
+                                    <m:r>
+                                      <a:rPr lang="ko-KR" altLang="ar-AE" i="1">
+                                        <a:latin typeface="Cambria Math" panose="02040503050406030204" pitchFamily="18" charset="0"/>
+                                      </a:rPr>
+                                      <m:t>𝑣</m:t>
+                                    </m:r>
+                                  </m:e>
+                                  <m:sub>
+                                    <m:r>
+                                      <a:rPr lang="ar-AE" altLang="ko-KR" i="0">
+                                        <a:latin typeface="Cambria Math" panose="02040503050406030204" pitchFamily="18" charset="0"/>
+                                      </a:rPr>
+                                      <m:t>4</m:t>
+                                    </m:r>
+                                  </m:sub>
+                                </m:sSub>
+                              </m:e>
+                            </m:mr>
+                          </m:m>
+                        </m:e>
+                      </m:d>
+                    </m:oMath>
+                  </m:oMathPara>
+                </a14:m>
+                <a:endParaRPr lang="ar-AE" altLang="ko-KR" dirty="0"/>
+              </a:p>
+            </p:txBody>
+          </p:sp>
+        </mc:Choice>
+        <mc:Fallback>
+          <p:sp>
+            <p:nvSpPr>
+              <p:cNvPr id="7" name="TextBox 6">
+                <a:extLst>
+                  <a:ext uri="{FF2B5EF4-FFF2-40B4-BE49-F238E27FC236}">
+                    <a16:creationId xmlns:a16="http://schemas.microsoft.com/office/drawing/2014/main" id="{C71807D4-D1FA-EE7A-EFA3-23391DDC7D77}"/>
+                  </a:ext>
+                </a:extLst>
+              </p:cNvPr>
+              <p:cNvSpPr txBox="1">
+                <a:spLocks noRot="1" noChangeAspect="1" noMove="1" noResize="1" noEditPoints="1" noAdjustHandles="1" noChangeArrowheads="1" noChangeShapeType="1" noTextEdit="1"/>
+              </p:cNvSpPr>
+              <p:nvPr/>
+            </p:nvSpPr>
+            <p:spPr>
+              <a:xfrm>
+                <a:off x="108372" y="2957089"/>
+                <a:ext cx="4958081" cy="2976520"/>
+              </a:xfrm>
+              <a:prstGeom prst="rect">
+                <a:avLst/>
+              </a:prstGeom>
+              <a:blipFill>
+                <a:blip r:embed="rId3"/>
+                <a:stretch>
+                  <a:fillRect l="-1107" t="-1025"/>
+                </a:stretch>
+              </a:blipFill>
+            </p:spPr>
+            <p:txBody>
+              <a:bodyPr/>
+              <a:lstStyle/>
+              <a:p>
+                <a:r>
+                  <a:rPr lang="ko-KR" altLang="en-US">
+                    <a:noFill/>
+                  </a:rPr>
+                  <a:t> </a:t>
+                </a:r>
+              </a:p>
+            </p:txBody>
+          </p:sp>
+        </mc:Fallback>
+      </mc:AlternateContent>
+      <mc:AlternateContent xmlns:mc="http://schemas.openxmlformats.org/markup-compatibility/2006">
+        <mc:Choice xmlns:a14="http://schemas.microsoft.com/office/drawing/2010/main" Requires="a14">
+          <p:sp>
+            <p:nvSpPr>
+              <p:cNvPr id="9" name="TextBox 8">
+                <a:extLst>
+                  <a:ext uri="{FF2B5EF4-FFF2-40B4-BE49-F238E27FC236}">
+                    <a16:creationId xmlns:a16="http://schemas.microsoft.com/office/drawing/2014/main" id="{9D95EB39-4DD6-0368-A19A-E2890B4C02FB}"/>
+                  </a:ext>
+                </a:extLst>
+              </p:cNvPr>
+              <p:cNvSpPr txBox="1"/>
+              <p:nvPr/>
+            </p:nvSpPr>
+            <p:spPr>
+              <a:xfrm>
+                <a:off x="5987628" y="2842065"/>
+                <a:ext cx="6096000" cy="3328796"/>
+              </a:xfrm>
+              <a:prstGeom prst="rect">
+                <a:avLst/>
+              </a:prstGeom>
+              <a:noFill/>
+            </p:spPr>
+            <p:txBody>
+              <a:bodyPr wrap="square">
+                <a:spAutoFit/>
+              </a:bodyPr>
+              <a:lstStyle/>
+              <a:p>
+                <a:pPr>
+                  <a:buNone/>
+                </a:pPr>
+                <a:r>
+                  <a:rPr lang="en-US" altLang="ko-KR" b="1" dirty="0"/>
+                  <a:t>2. </a:t>
+                </a:r>
+                <a:r>
+                  <a:rPr lang="ko-KR" altLang="en-US" b="1" dirty="0"/>
+                  <a:t>내적</a:t>
+                </a:r>
+                <a:r>
+                  <a:rPr lang="en-US" altLang="ko-KR" b="1" dirty="0"/>
+                  <a:t>(dot product)</a:t>
+                </a:r>
+                <a:r>
+                  <a:rPr lang="ko-KR" altLang="en-US" b="1" dirty="0"/>
+                  <a:t>으로 표현</a:t>
+                </a:r>
+              </a:p>
+              <a:p>
+                <a:pPr>
+                  <a:buNone/>
+                </a:pPr>
+                <a:r>
+                  <a:rPr lang="ko-KR" altLang="en-US" dirty="0"/>
+                  <a:t>행렬의 각 **행</a:t>
+                </a:r>
+                <a:r>
+                  <a:rPr lang="en-US" altLang="ko-KR" dirty="0"/>
+                  <a:t>(row)**</a:t>
+                </a:r>
+                <a:r>
+                  <a:rPr lang="ko-KR" altLang="en-US" dirty="0"/>
+                  <a:t>을 벡터라고 생각하면</a:t>
+                </a:r>
+                <a:r>
+                  <a:rPr lang="en-US" altLang="ko-KR" dirty="0"/>
+                  <a:t>, </a:t>
+                </a:r>
+                <a:r>
+                  <a:rPr lang="ko-KR" altLang="en-US" dirty="0"/>
+                  <a:t>결과는 각 행과 입력 벡터의 내적입니다</a:t>
+                </a:r>
+                <a:r>
+                  <a:rPr lang="en-US" altLang="ko-KR" dirty="0"/>
+                  <a:t>:</a:t>
+                </a:r>
+              </a:p>
+              <a:p>
+                <a:pPr>
+                  <a:buNone/>
+                </a:pPr>
+                <a14:m>
+                  <m:oMathPara xmlns:m="http://schemas.openxmlformats.org/officeDocument/2006/math">
+                    <m:oMathParaPr>
+                      <m:jc m:val="centerGroup"/>
+                    </m:oMathParaPr>
+                    <m:oMath xmlns:m="http://schemas.openxmlformats.org/officeDocument/2006/math">
+                      <m:r>
+                        <a:rPr lang="ko-KR" altLang="en-US" i="1">
+                          <a:latin typeface="Cambria Math" panose="02040503050406030204" pitchFamily="18" charset="0"/>
+                        </a:rPr>
+                        <m:t>𝑀𝑣</m:t>
+                      </m:r>
+                      <m:r>
+                        <a:rPr lang="en-US" altLang="ko-KR" i="0">
+                          <a:latin typeface="Cambria Math" panose="02040503050406030204" pitchFamily="18" charset="0"/>
+                        </a:rPr>
+                        <m:t>=</m:t>
+                      </m:r>
+                      <m:d>
+                        <m:dPr>
+                          <m:begChr m:val="["/>
+                          <m:endChr m:val="]"/>
+                          <m:ctrlPr>
+                            <a:rPr lang="ar-AE" altLang="ko-KR" i="1">
+                              <a:latin typeface="Cambria Math" panose="02040503050406030204" pitchFamily="18" charset="0"/>
+                            </a:rPr>
+                          </m:ctrlPr>
+                        </m:dPr>
+                        <m:e>
+                          <m:m>
+                            <m:mPr>
+                              <m:plcHide m:val="on"/>
+                              <m:mcs>
+                                <m:mc>
+                                  <m:mcPr>
+                                    <m:count m:val="1"/>
+                                    <m:mcJc m:val="center"/>
+                                  </m:mcPr>
+                                </m:mc>
+                              </m:mcs>
+                              <m:ctrlPr>
+                                <a:rPr lang="ar-AE" altLang="ko-KR" i="1">
+                                  <a:latin typeface="Cambria Math" panose="02040503050406030204" pitchFamily="18" charset="0"/>
+                                </a:rPr>
+                              </m:ctrlPr>
+                            </m:mPr>
+                            <m:mr>
+                              <m:e>
+                                <m:sSub>
+                                  <m:sSubPr>
+                                    <m:ctrlPr>
+                                      <a:rPr lang="ar-AE" altLang="ko-KR" i="1">
+                                        <a:latin typeface="Cambria Math" panose="02040503050406030204" pitchFamily="18" charset="0"/>
+                                      </a:rPr>
+                                    </m:ctrlPr>
+                                  </m:sSubPr>
+                                  <m:e>
+                                    <m:r>
+                                      <m:rPr>
+                                        <m:nor/>
+                                      </m:rPr>
+                                      <a:rPr lang="en-US" altLang="ko-KR" b="0" i="1">
+                                        <a:latin typeface="Cambria Math" panose="02040503050406030204" pitchFamily="18" charset="0"/>
+                                      </a:rPr>
+                                      <m:t>row</m:t>
+                                    </m:r>
+                                  </m:e>
+                                  <m:sub>
+                                    <m:r>
+                                      <a:rPr lang="ar-AE" altLang="ko-KR" b="0" i="0">
+                                        <a:latin typeface="Cambria Math" panose="02040503050406030204" pitchFamily="18" charset="0"/>
+                                      </a:rPr>
+                                      <m:t>1</m:t>
+                                    </m:r>
+                                  </m:sub>
+                                </m:sSub>
+                                <m:r>
+                                  <a:rPr lang="ar-AE" altLang="ko-KR" b="0" i="0">
+                                    <a:latin typeface="Cambria Math" panose="02040503050406030204" pitchFamily="18" charset="0"/>
+                                  </a:rPr>
+                                  <m:t>⋅</m:t>
+                                </m:r>
+                                <m:r>
+                                  <a:rPr lang="ko-KR" altLang="ar-AE" b="0" i="1">
+                                    <a:latin typeface="Cambria Math" panose="02040503050406030204" pitchFamily="18" charset="0"/>
+                                  </a:rPr>
+                                  <m:t>𝑣</m:t>
+                                </m:r>
+                              </m:e>
+                            </m:mr>
+                            <m:mr>
+                              <m:e>
+                                <m:sSub>
+                                  <m:sSubPr>
+                                    <m:ctrlPr>
+                                      <a:rPr lang="ar-AE" altLang="ko-KR" b="0" i="1">
+                                        <a:latin typeface="Cambria Math" panose="02040503050406030204" pitchFamily="18" charset="0"/>
+                                      </a:rPr>
+                                    </m:ctrlPr>
+                                  </m:sSubPr>
+                                  <m:e>
+                                    <m:r>
+                                      <m:rPr>
+                                        <m:nor/>
+                                      </m:rPr>
+                                      <a:rPr lang="en-US" altLang="ko-KR" b="0" i="1">
+                                        <a:latin typeface="Cambria Math" panose="02040503050406030204" pitchFamily="18" charset="0"/>
+                                      </a:rPr>
+                                      <m:t>row</m:t>
+                                    </m:r>
+                                  </m:e>
+                                  <m:sub>
+                                    <m:r>
+                                      <a:rPr lang="ar-AE" altLang="ko-KR" b="0" i="0">
+                                        <a:latin typeface="Cambria Math" panose="02040503050406030204" pitchFamily="18" charset="0"/>
+                                      </a:rPr>
+                                      <m:t>2</m:t>
+                                    </m:r>
+                                  </m:sub>
+                                </m:sSub>
+                                <m:r>
+                                  <a:rPr lang="ar-AE" altLang="ko-KR" b="0" i="0">
+                                    <a:latin typeface="Cambria Math" panose="02040503050406030204" pitchFamily="18" charset="0"/>
+                                  </a:rPr>
+                                  <m:t>⋅</m:t>
+                                </m:r>
+                                <m:r>
+                                  <a:rPr lang="ko-KR" altLang="ar-AE" b="0" i="1">
+                                    <a:latin typeface="Cambria Math" panose="02040503050406030204" pitchFamily="18" charset="0"/>
+                                  </a:rPr>
+                                  <m:t>𝑣</m:t>
+                                </m:r>
+                              </m:e>
+                            </m:mr>
+                            <m:mr>
+                              <m:e>
+                                <m:sSub>
+                                  <m:sSubPr>
+                                    <m:ctrlPr>
+                                      <a:rPr lang="ar-AE" altLang="ko-KR" b="0" i="1">
+                                        <a:latin typeface="Cambria Math" panose="02040503050406030204" pitchFamily="18" charset="0"/>
+                                      </a:rPr>
+                                    </m:ctrlPr>
+                                  </m:sSubPr>
+                                  <m:e>
+                                    <m:r>
+                                      <m:rPr>
+                                        <m:nor/>
+                                      </m:rPr>
+                                      <a:rPr lang="en-US" altLang="ko-KR" b="0" i="1">
+                                        <a:latin typeface="Cambria Math" panose="02040503050406030204" pitchFamily="18" charset="0"/>
+                                      </a:rPr>
+                                      <m:t>row</m:t>
+                                    </m:r>
+                                  </m:e>
+                                  <m:sub>
+                                    <m:r>
+                                      <a:rPr lang="ar-AE" altLang="ko-KR" b="0" i="0">
+                                        <a:latin typeface="Cambria Math" panose="02040503050406030204" pitchFamily="18" charset="0"/>
+                                      </a:rPr>
+                                      <m:t>3</m:t>
+                                    </m:r>
+                                  </m:sub>
+                                </m:sSub>
+                                <m:r>
+                                  <a:rPr lang="ar-AE" altLang="ko-KR" b="0" i="0">
+                                    <a:latin typeface="Cambria Math" panose="02040503050406030204" pitchFamily="18" charset="0"/>
+                                  </a:rPr>
+                                  <m:t>⋅</m:t>
+                                </m:r>
+                                <m:r>
+                                  <a:rPr lang="ko-KR" altLang="ar-AE" b="0" i="1">
+                                    <a:latin typeface="Cambria Math" panose="02040503050406030204" pitchFamily="18" charset="0"/>
+                                  </a:rPr>
+                                  <m:t>𝑣</m:t>
+                                </m:r>
+                              </m:e>
+                            </m:mr>
+                            <m:mr>
+                              <m:e>
+                                <m:sSub>
+                                  <m:sSubPr>
+                                    <m:ctrlPr>
+                                      <a:rPr lang="ar-AE" altLang="ko-KR" b="0" i="1">
+                                        <a:latin typeface="Cambria Math" panose="02040503050406030204" pitchFamily="18" charset="0"/>
+                                      </a:rPr>
+                                    </m:ctrlPr>
+                                  </m:sSubPr>
+                                  <m:e>
+                                    <m:r>
+                                      <m:rPr>
+                                        <m:nor/>
+                                      </m:rPr>
+                                      <a:rPr lang="en-US" altLang="ko-KR" b="0" i="1">
+                                        <a:latin typeface="Cambria Math" panose="02040503050406030204" pitchFamily="18" charset="0"/>
+                                      </a:rPr>
+                                      <m:t>row</m:t>
+                                    </m:r>
+                                  </m:e>
+                                  <m:sub>
+                                    <m:r>
+                                      <a:rPr lang="ar-AE" altLang="ko-KR" b="0" i="0">
+                                        <a:latin typeface="Cambria Math" panose="02040503050406030204" pitchFamily="18" charset="0"/>
+                                      </a:rPr>
+                                      <m:t>4</m:t>
+                                    </m:r>
+                                  </m:sub>
+                                </m:sSub>
+                                <m:r>
+                                  <a:rPr lang="ar-AE" altLang="ko-KR" b="0" i="0">
+                                    <a:latin typeface="Cambria Math" panose="02040503050406030204" pitchFamily="18" charset="0"/>
+                                  </a:rPr>
+                                  <m:t>⋅</m:t>
+                                </m:r>
+                                <m:r>
+                                  <a:rPr lang="ko-KR" altLang="ar-AE" b="0" i="1">
+                                    <a:latin typeface="Cambria Math" panose="02040503050406030204" pitchFamily="18" charset="0"/>
+                                  </a:rPr>
+                                  <m:t>𝑣</m:t>
+                                </m:r>
+                              </m:e>
+                            </m:mr>
+                          </m:m>
+                        </m:e>
+                      </m:d>
+                    </m:oMath>
+                  </m:oMathPara>
+                </a14:m>
+                <a:endParaRPr lang="ar-AE" altLang="ko-KR" b="0" dirty="0"/>
+              </a:p>
+              <a:p>
+                <a:pPr>
+                  <a:buNone/>
+                </a:pPr>
+                <a:r>
+                  <a:rPr lang="ko-KR" altLang="en-US" dirty="0"/>
+                  <a:t>예</a:t>
+                </a:r>
+                <a:r>
+                  <a:rPr lang="en-US" altLang="ko-KR" dirty="0"/>
+                  <a:t>:</a:t>
+                </a:r>
+              </a:p>
+              <a:p>
+                <a:pPr>
+                  <a:buFont typeface="Arial" panose="020B0604020202020204" pitchFamily="34" charset="0"/>
+                  <a:buChar char="•"/>
+                </a:pPr>
+                <a14:m>
+                  <m:oMath xmlns:m="http://schemas.openxmlformats.org/officeDocument/2006/math">
+                    <m:sSub>
+                      <m:sSubPr>
+                        <m:ctrlPr>
+                          <a:rPr lang="ar-AE" altLang="ko-KR" b="0" i="1">
+                            <a:latin typeface="Cambria Math" panose="02040503050406030204" pitchFamily="18" charset="0"/>
+                          </a:rPr>
+                        </m:ctrlPr>
+                      </m:sSubPr>
+                      <m:e>
+                        <m:r>
+                          <m:rPr>
+                            <m:nor/>
+                          </m:rPr>
+                          <a:rPr lang="en-US" altLang="ko-KR" b="0"/>
+                          <m:t>row</m:t>
+                        </m:r>
+                      </m:e>
+                      <m:sub>
+                        <m:r>
+                          <a:rPr lang="ar-AE" altLang="ko-KR" b="0" i="0">
+                            <a:latin typeface="Cambria Math" panose="02040503050406030204" pitchFamily="18" charset="0"/>
+                          </a:rPr>
+                          <m:t>1</m:t>
+                        </m:r>
+                      </m:sub>
+                    </m:sSub>
+                    <m:r>
+                      <a:rPr lang="ar-AE" altLang="ko-KR" b="0" i="0">
+                        <a:latin typeface="Cambria Math" panose="02040503050406030204" pitchFamily="18" charset="0"/>
+                      </a:rPr>
+                      <m:t>=</m:t>
+                    </m:r>
+                    <m:d>
+                      <m:dPr>
+                        <m:sepChr m:val=","/>
+                        <m:ctrlPr>
+                          <a:rPr lang="ar-AE" altLang="ko-KR" b="0" i="1">
+                            <a:latin typeface="Cambria Math" panose="02040503050406030204" pitchFamily="18" charset="0"/>
+                          </a:rPr>
+                        </m:ctrlPr>
+                      </m:dPr>
+                      <m:e>
+                        <m:sSub>
+                          <m:sSubPr>
+                            <m:ctrlPr>
+                              <a:rPr lang="ar-AE" altLang="ko-KR" b="0" i="1">
+                                <a:latin typeface="Cambria Math" panose="02040503050406030204" pitchFamily="18" charset="0"/>
+                              </a:rPr>
+                            </m:ctrlPr>
+                          </m:sSubPr>
+                          <m:e>
+                            <m:r>
+                              <a:rPr lang="ko-KR" altLang="ar-AE" b="0" i="1">
+                                <a:latin typeface="Cambria Math" panose="02040503050406030204" pitchFamily="18" charset="0"/>
+                              </a:rPr>
+                              <m:t>𝑚</m:t>
+                            </m:r>
+                          </m:e>
+                          <m:sub>
+                            <m:r>
+                              <a:rPr lang="ar-AE" altLang="ko-KR" b="0" i="0">
+                                <a:latin typeface="Cambria Math" panose="02040503050406030204" pitchFamily="18" charset="0"/>
+                              </a:rPr>
+                              <m:t>11</m:t>
+                            </m:r>
+                          </m:sub>
+                        </m:sSub>
+                      </m:e>
+                      <m:e>
+                        <m:sSub>
+                          <m:sSubPr>
+                            <m:ctrlPr>
+                              <a:rPr lang="ar-AE" altLang="ko-KR" b="0" i="1">
+                                <a:latin typeface="Cambria Math" panose="02040503050406030204" pitchFamily="18" charset="0"/>
+                              </a:rPr>
+                            </m:ctrlPr>
+                          </m:sSubPr>
+                          <m:e>
+                            <m:r>
+                              <a:rPr lang="ko-KR" altLang="ar-AE" b="0" i="1">
+                                <a:latin typeface="Cambria Math" panose="02040503050406030204" pitchFamily="18" charset="0"/>
+                              </a:rPr>
+                              <m:t>𝑚</m:t>
+                            </m:r>
+                          </m:e>
+                          <m:sub>
+                            <m:r>
+                              <a:rPr lang="ar-AE" altLang="ko-KR" b="0" i="0">
+                                <a:latin typeface="Cambria Math" panose="02040503050406030204" pitchFamily="18" charset="0"/>
+                              </a:rPr>
+                              <m:t>12</m:t>
+                            </m:r>
+                          </m:sub>
+                        </m:sSub>
+                      </m:e>
+                      <m:e>
+                        <m:sSub>
+                          <m:sSubPr>
+                            <m:ctrlPr>
+                              <a:rPr lang="ar-AE" altLang="ko-KR" b="0" i="1">
+                                <a:latin typeface="Cambria Math" panose="02040503050406030204" pitchFamily="18" charset="0"/>
+                              </a:rPr>
+                            </m:ctrlPr>
+                          </m:sSubPr>
+                          <m:e>
+                            <m:r>
+                              <a:rPr lang="ko-KR" altLang="ar-AE" b="0" i="1">
+                                <a:latin typeface="Cambria Math" panose="02040503050406030204" pitchFamily="18" charset="0"/>
+                              </a:rPr>
+                              <m:t>𝑚</m:t>
+                            </m:r>
+                          </m:e>
+                          <m:sub>
+                            <m:r>
+                              <a:rPr lang="ar-AE" altLang="ko-KR" b="0" i="0">
+                                <a:latin typeface="Cambria Math" panose="02040503050406030204" pitchFamily="18" charset="0"/>
+                              </a:rPr>
+                              <m:t>13</m:t>
+                            </m:r>
+                          </m:sub>
+                        </m:sSub>
+                      </m:e>
+                      <m:e>
+                        <m:sSub>
+                          <m:sSubPr>
+                            <m:ctrlPr>
+                              <a:rPr lang="ar-AE" altLang="ko-KR" b="0" i="1">
+                                <a:latin typeface="Cambria Math" panose="02040503050406030204" pitchFamily="18" charset="0"/>
+                              </a:rPr>
+                            </m:ctrlPr>
+                          </m:sSubPr>
+                          <m:e>
+                            <m:r>
+                              <a:rPr lang="ko-KR" altLang="ar-AE" b="0" i="1">
+                                <a:latin typeface="Cambria Math" panose="02040503050406030204" pitchFamily="18" charset="0"/>
+                              </a:rPr>
+                              <m:t>𝑚</m:t>
+                            </m:r>
+                          </m:e>
+                          <m:sub>
+                            <m:r>
+                              <a:rPr lang="ar-AE" altLang="ko-KR" b="0" i="0">
+                                <a:latin typeface="Cambria Math" panose="02040503050406030204" pitchFamily="18" charset="0"/>
+                              </a:rPr>
+                              <m:t>14</m:t>
+                            </m:r>
+                          </m:sub>
+                        </m:sSub>
+                      </m:e>
+                    </m:d>
+                  </m:oMath>
+                </a14:m>
+                <a:endParaRPr lang="ar-AE" altLang="ko-KR" dirty="0"/>
+              </a:p>
+              <a:p>
+                <a:pPr>
+                  <a:buFont typeface="Arial" panose="020B0604020202020204" pitchFamily="34" charset="0"/>
+                  <a:buChar char="•"/>
+                </a:pPr>
+                <a14:m>
+                  <m:oMath xmlns:m="http://schemas.openxmlformats.org/officeDocument/2006/math">
+                    <m:sSub>
+                      <m:sSubPr>
+                        <m:ctrlPr>
+                          <a:rPr lang="ar-AE" altLang="ko-KR" b="0" i="1">
+                            <a:latin typeface="Cambria Math" panose="02040503050406030204" pitchFamily="18" charset="0"/>
+                          </a:rPr>
+                        </m:ctrlPr>
+                      </m:sSubPr>
+                      <m:e>
+                        <m:r>
+                          <m:rPr>
+                            <m:nor/>
+                          </m:rPr>
+                          <a:rPr lang="en-US" altLang="ko-KR" b="0"/>
+                          <m:t>row</m:t>
+                        </m:r>
+                      </m:e>
+                      <m:sub>
+                        <m:r>
+                          <a:rPr lang="ar-AE" altLang="ko-KR" b="0" i="0">
+                            <a:latin typeface="Cambria Math" panose="02040503050406030204" pitchFamily="18" charset="0"/>
+                          </a:rPr>
+                          <m:t>1</m:t>
+                        </m:r>
+                      </m:sub>
+                    </m:sSub>
+                    <m:r>
+                      <a:rPr lang="ar-AE" altLang="ko-KR" b="0" i="0">
+                        <a:latin typeface="Cambria Math" panose="02040503050406030204" pitchFamily="18" charset="0"/>
+                      </a:rPr>
+                      <m:t>⋅</m:t>
+                    </m:r>
+                    <m:r>
+                      <a:rPr lang="ko-KR" altLang="ar-AE" b="0" i="1">
+                        <a:latin typeface="Cambria Math" panose="02040503050406030204" pitchFamily="18" charset="0"/>
+                      </a:rPr>
+                      <m:t>𝑣</m:t>
+                    </m:r>
+                    <m:r>
+                      <a:rPr lang="ar-AE" altLang="ko-KR" b="0" i="0">
+                        <a:latin typeface="Cambria Math" panose="02040503050406030204" pitchFamily="18" charset="0"/>
+                      </a:rPr>
+                      <m:t>=</m:t>
+                    </m:r>
+                    <m:sSub>
+                      <m:sSubPr>
+                        <m:ctrlPr>
+                          <a:rPr lang="ar-AE" altLang="ko-KR" b="0" i="1">
+                            <a:latin typeface="Cambria Math" panose="02040503050406030204" pitchFamily="18" charset="0"/>
+                          </a:rPr>
+                        </m:ctrlPr>
+                      </m:sSubPr>
+                      <m:e>
+                        <m:r>
+                          <a:rPr lang="ko-KR" altLang="ar-AE" b="0" i="1">
+                            <a:latin typeface="Cambria Math" panose="02040503050406030204" pitchFamily="18" charset="0"/>
+                          </a:rPr>
+                          <m:t>𝑚</m:t>
+                        </m:r>
+                      </m:e>
+                      <m:sub>
+                        <m:r>
+                          <a:rPr lang="ar-AE" altLang="ko-KR" b="0" i="0">
+                            <a:latin typeface="Cambria Math" panose="02040503050406030204" pitchFamily="18" charset="0"/>
+                          </a:rPr>
+                          <m:t>11</m:t>
+                        </m:r>
+                      </m:sub>
+                    </m:sSub>
+                    <m:sSub>
+                      <m:sSubPr>
+                        <m:ctrlPr>
+                          <a:rPr lang="ar-AE" altLang="ko-KR" b="0" i="1">
+                            <a:latin typeface="Cambria Math" panose="02040503050406030204" pitchFamily="18" charset="0"/>
+                          </a:rPr>
+                        </m:ctrlPr>
+                      </m:sSubPr>
+                      <m:e>
+                        <m:r>
+                          <a:rPr lang="ko-KR" altLang="ar-AE" b="0" i="1">
+                            <a:latin typeface="Cambria Math" panose="02040503050406030204" pitchFamily="18" charset="0"/>
+                          </a:rPr>
+                          <m:t>𝑣</m:t>
+                        </m:r>
+                      </m:e>
+                      <m:sub>
+                        <m:r>
+                          <a:rPr lang="ar-AE" altLang="ko-KR" b="0" i="0">
+                            <a:latin typeface="Cambria Math" panose="02040503050406030204" pitchFamily="18" charset="0"/>
+                          </a:rPr>
+                          <m:t>1</m:t>
+                        </m:r>
+                      </m:sub>
+                    </m:sSub>
+                    <m:r>
+                      <a:rPr lang="ar-AE" altLang="ko-KR" b="0" i="0">
+                        <a:latin typeface="Cambria Math" panose="02040503050406030204" pitchFamily="18" charset="0"/>
+                      </a:rPr>
+                      <m:t>+</m:t>
+                    </m:r>
+                    <m:sSub>
+                      <m:sSubPr>
+                        <m:ctrlPr>
+                          <a:rPr lang="ar-AE" altLang="ko-KR" b="0" i="1">
+                            <a:latin typeface="Cambria Math" panose="02040503050406030204" pitchFamily="18" charset="0"/>
+                          </a:rPr>
+                        </m:ctrlPr>
+                      </m:sSubPr>
+                      <m:e>
+                        <m:r>
+                          <a:rPr lang="ko-KR" altLang="ar-AE" b="0" i="1">
+                            <a:latin typeface="Cambria Math" panose="02040503050406030204" pitchFamily="18" charset="0"/>
+                          </a:rPr>
+                          <m:t>𝑚</m:t>
+                        </m:r>
+                      </m:e>
+                      <m:sub>
+                        <m:r>
+                          <a:rPr lang="ar-AE" altLang="ko-KR" b="0" i="0">
+                            <a:latin typeface="Cambria Math" panose="02040503050406030204" pitchFamily="18" charset="0"/>
+                          </a:rPr>
+                          <m:t>12</m:t>
+                        </m:r>
+                      </m:sub>
+                    </m:sSub>
+                    <m:sSub>
+                      <m:sSubPr>
+                        <m:ctrlPr>
+                          <a:rPr lang="ar-AE" altLang="ko-KR" b="0" i="1">
+                            <a:latin typeface="Cambria Math" panose="02040503050406030204" pitchFamily="18" charset="0"/>
+                          </a:rPr>
+                        </m:ctrlPr>
+                      </m:sSubPr>
+                      <m:e>
+                        <m:r>
+                          <a:rPr lang="ko-KR" altLang="ar-AE" b="0" i="1">
+                            <a:latin typeface="Cambria Math" panose="02040503050406030204" pitchFamily="18" charset="0"/>
+                          </a:rPr>
+                          <m:t>𝑣</m:t>
+                        </m:r>
+                      </m:e>
+                      <m:sub>
+                        <m:r>
+                          <a:rPr lang="ar-AE" altLang="ko-KR" b="0" i="0">
+                            <a:latin typeface="Cambria Math" panose="02040503050406030204" pitchFamily="18" charset="0"/>
+                          </a:rPr>
+                          <m:t>2</m:t>
+                        </m:r>
+                      </m:sub>
+                    </m:sSub>
+                    <m:r>
+                      <a:rPr lang="ar-AE" altLang="ko-KR" b="0" i="0">
+                        <a:latin typeface="Cambria Math" panose="02040503050406030204" pitchFamily="18" charset="0"/>
+                      </a:rPr>
+                      <m:t>+</m:t>
+                    </m:r>
+                    <m:sSub>
+                      <m:sSubPr>
+                        <m:ctrlPr>
+                          <a:rPr lang="ar-AE" altLang="ko-KR" b="0" i="1">
+                            <a:latin typeface="Cambria Math" panose="02040503050406030204" pitchFamily="18" charset="0"/>
+                          </a:rPr>
+                        </m:ctrlPr>
+                      </m:sSubPr>
+                      <m:e>
+                        <m:r>
+                          <a:rPr lang="ko-KR" altLang="ar-AE" b="0" i="1">
+                            <a:latin typeface="Cambria Math" panose="02040503050406030204" pitchFamily="18" charset="0"/>
+                          </a:rPr>
+                          <m:t>𝑚</m:t>
+                        </m:r>
+                      </m:e>
+                      <m:sub>
+                        <m:r>
+                          <a:rPr lang="ar-AE" altLang="ko-KR" b="0" i="0">
+                            <a:latin typeface="Cambria Math" panose="02040503050406030204" pitchFamily="18" charset="0"/>
+                          </a:rPr>
+                          <m:t>13</m:t>
+                        </m:r>
+                      </m:sub>
+                    </m:sSub>
+                    <m:sSub>
+                      <m:sSubPr>
+                        <m:ctrlPr>
+                          <a:rPr lang="ar-AE" altLang="ko-KR" b="0" i="1">
+                            <a:latin typeface="Cambria Math" panose="02040503050406030204" pitchFamily="18" charset="0"/>
+                          </a:rPr>
+                        </m:ctrlPr>
+                      </m:sSubPr>
+                      <m:e>
+                        <m:r>
+                          <a:rPr lang="ko-KR" altLang="ar-AE" b="0" i="1">
+                            <a:latin typeface="Cambria Math" panose="02040503050406030204" pitchFamily="18" charset="0"/>
+                          </a:rPr>
+                          <m:t>𝑣</m:t>
+                        </m:r>
+                      </m:e>
+                      <m:sub>
+                        <m:r>
+                          <a:rPr lang="ar-AE" altLang="ko-KR" b="0" i="0">
+                            <a:latin typeface="Cambria Math" panose="02040503050406030204" pitchFamily="18" charset="0"/>
+                          </a:rPr>
+                          <m:t>3</m:t>
+                        </m:r>
+                      </m:sub>
+                    </m:sSub>
+                    <m:r>
+                      <a:rPr lang="ar-AE" altLang="ko-KR" b="0" i="0">
+                        <a:latin typeface="Cambria Math" panose="02040503050406030204" pitchFamily="18" charset="0"/>
+                      </a:rPr>
+                      <m:t>+</m:t>
+                    </m:r>
+                    <m:sSub>
+                      <m:sSubPr>
+                        <m:ctrlPr>
+                          <a:rPr lang="ar-AE" altLang="ko-KR" b="0" i="1">
+                            <a:latin typeface="Cambria Math" panose="02040503050406030204" pitchFamily="18" charset="0"/>
+                          </a:rPr>
+                        </m:ctrlPr>
+                      </m:sSubPr>
+                      <m:e>
+                        <m:r>
+                          <a:rPr lang="ko-KR" altLang="ar-AE" b="0" i="1">
+                            <a:latin typeface="Cambria Math" panose="02040503050406030204" pitchFamily="18" charset="0"/>
+                          </a:rPr>
+                          <m:t>𝑚</m:t>
+                        </m:r>
+                      </m:e>
+                      <m:sub>
+                        <m:r>
+                          <a:rPr lang="ar-AE" altLang="ko-KR" b="0" i="0">
+                            <a:latin typeface="Cambria Math" panose="02040503050406030204" pitchFamily="18" charset="0"/>
+                          </a:rPr>
+                          <m:t>14</m:t>
+                        </m:r>
+                      </m:sub>
+                    </m:sSub>
+                    <m:sSub>
+                      <m:sSubPr>
+                        <m:ctrlPr>
+                          <a:rPr lang="ar-AE" altLang="ko-KR" b="0" i="1">
+                            <a:latin typeface="Cambria Math" panose="02040503050406030204" pitchFamily="18" charset="0"/>
+                          </a:rPr>
+                        </m:ctrlPr>
+                      </m:sSubPr>
+                      <m:e>
+                        <m:r>
+                          <a:rPr lang="ko-KR" altLang="ar-AE" b="0" i="1">
+                            <a:latin typeface="Cambria Math" panose="02040503050406030204" pitchFamily="18" charset="0"/>
+                          </a:rPr>
+                          <m:t>𝑣</m:t>
+                        </m:r>
+                      </m:e>
+                      <m:sub>
+                        <m:r>
+                          <a:rPr lang="ar-AE" altLang="ko-KR" b="0" i="0">
+                            <a:latin typeface="Cambria Math" panose="02040503050406030204" pitchFamily="18" charset="0"/>
+                          </a:rPr>
+                          <m:t>4</m:t>
+                        </m:r>
+                      </m:sub>
+                    </m:sSub>
+                  </m:oMath>
+                </a14:m>
+                <a:endParaRPr lang="ar-AE" altLang="ko-KR" dirty="0"/>
+              </a:p>
+              <a:p>
+                <a:pPr>
+                  <a:buNone/>
+                </a:pPr>
+                <a:r>
+                  <a:rPr lang="ko-KR" altLang="en-US" dirty="0"/>
+                  <a:t>즉</a:t>
+                </a:r>
+                <a:r>
+                  <a:rPr lang="en-US" altLang="ko-KR" dirty="0"/>
+                  <a:t>, “</a:t>
+                </a:r>
+                <a:r>
+                  <a:rPr lang="ko-KR" altLang="en-US" dirty="0"/>
+                  <a:t>행렬</a:t>
+                </a:r>
+                <a:r>
+                  <a:rPr lang="en-US" altLang="ko-KR" dirty="0"/>
+                  <a:t>×</a:t>
+                </a:r>
+                <a:r>
+                  <a:rPr lang="ko-KR" altLang="en-US" dirty="0" err="1"/>
+                  <a:t>벡터”는</a:t>
+                </a:r>
+                <a:r>
+                  <a:rPr lang="ko-KR" altLang="en-US" dirty="0"/>
+                  <a:t> </a:t>
+                </a:r>
+                <a:r>
+                  <a:rPr lang="ko-KR" altLang="en-US" b="1" dirty="0"/>
+                  <a:t>행렬의 각 행과 벡터의 내적 </a:t>
+                </a:r>
+                <a:r>
+                  <a:rPr lang="en-US" altLang="ko-KR" b="1" dirty="0"/>
+                  <a:t>4</a:t>
+                </a:r>
+                <a:r>
+                  <a:rPr lang="ko-KR" altLang="en-US" b="1" dirty="0"/>
+                  <a:t>개</a:t>
+                </a:r>
+                <a:r>
+                  <a:rPr lang="ko-KR" altLang="en-US" dirty="0"/>
+                  <a:t>로 이루어집니다</a:t>
+                </a:r>
+                <a:r>
+                  <a:rPr lang="en-US" altLang="ko-KR" dirty="0"/>
+                  <a:t>.</a:t>
+                </a:r>
+              </a:p>
+            </p:txBody>
+          </p:sp>
+        </mc:Choice>
+        <mc:Fallback>
+          <p:sp>
+            <p:nvSpPr>
+              <p:cNvPr id="9" name="TextBox 8">
+                <a:extLst>
+                  <a:ext uri="{FF2B5EF4-FFF2-40B4-BE49-F238E27FC236}">
+                    <a16:creationId xmlns:a16="http://schemas.microsoft.com/office/drawing/2014/main" id="{9D95EB39-4DD6-0368-A19A-E2890B4C02FB}"/>
+                  </a:ext>
+                </a:extLst>
+              </p:cNvPr>
+              <p:cNvSpPr txBox="1">
+                <a:spLocks noRot="1" noChangeAspect="1" noMove="1" noResize="1" noEditPoints="1" noAdjustHandles="1" noChangeArrowheads="1" noChangeShapeType="1" noTextEdit="1"/>
+              </p:cNvSpPr>
+              <p:nvPr/>
+            </p:nvSpPr>
+            <p:spPr>
+              <a:xfrm>
+                <a:off x="5987628" y="2842065"/>
+                <a:ext cx="6096000" cy="3328796"/>
+              </a:xfrm>
+              <a:prstGeom prst="rect">
+                <a:avLst/>
+              </a:prstGeom>
+              <a:blipFill>
+                <a:blip r:embed="rId4"/>
+                <a:stretch>
+                  <a:fillRect l="-800" t="-916" r="-200" b="-2015"/>
+                </a:stretch>
+              </a:blipFill>
+            </p:spPr>
+            <p:txBody>
+              <a:bodyPr/>
+              <a:lstStyle/>
+              <a:p>
+                <a:r>
+                  <a:rPr lang="ko-KR" altLang="en-US">
+                    <a:noFill/>
+                  </a:rPr>
+                  <a:t> </a:t>
+                </a:r>
+              </a:p>
+            </p:txBody>
+          </p:sp>
+        </mc:Fallback>
+      </mc:AlternateContent>
+    </p:spTree>
+    <p:extLst>
+      <p:ext uri="{BB962C8B-B14F-4D97-AF65-F5344CB8AC3E}">
+        <p14:creationId xmlns:p14="http://schemas.microsoft.com/office/powerpoint/2010/main" val="1826769164"/>
+      </p:ext>
+    </p:extLst>
+  </p:cSld>
+  <p:clrMapOvr>
+    <a:masterClrMapping/>
+  </p:clrMapOvr>
+</p:sld>
+</file>
+
+<file path=ppt/slides/slide4.xml><?xml version="1.0" encoding="utf-8"?>
+<p:sld xmlns:a="http://schemas.openxmlformats.org/drawingml/2006/main" xmlns:r="http://schemas.openxmlformats.org/officeDocument/2006/relationships" xmlns:p="http://schemas.openxmlformats.org/presentationml/2006/main">
+  <p:cSld>
+    <p:spTree>
+      <p:nvGrpSpPr>
+        <p:cNvPr id="1" name=""/>
+        <p:cNvGrpSpPr/>
+        <p:nvPr/>
+      </p:nvGrpSpPr>
+      <p:grpSpPr>
+        <a:xfrm>
+          <a:off x="0" y="0"/>
+          <a:ext cx="0" cy="0"/>
+          <a:chOff x="0" y="0"/>
+          <a:chExt cx="0" cy="0"/>
+        </a:xfrm>
+      </p:grpSpPr>
+      <p:sp>
+        <p:nvSpPr>
+          <p:cNvPr id="2" name="제목 1">
+            <a:extLst>
+              <a:ext uri="{FF2B5EF4-FFF2-40B4-BE49-F238E27FC236}">
                 <a16:creationId xmlns:a16="http://schemas.microsoft.com/office/drawing/2014/main" id="{1A4D2A3E-CA5D-5AF8-BD7A-1DC33CDD46CD}"/>
               </a:ext>
             </a:extLst>
@@ -6037,8 +9716,8 @@
           </a:p>
         </p:txBody>
       </p:sp>
-      <mc:AlternateContent xmlns:mc="http://schemas.openxmlformats.org/markup-compatibility/2006">
-        <mc:Choice xmlns:a14="http://schemas.microsoft.com/office/drawing/2010/main" Requires="a14">
+      <mc:AlternateContent xmlns:mc="http://schemas.openxmlformats.org/markup-compatibility/2006" xmlns:a14="http://schemas.microsoft.com/office/drawing/2010/main">
+        <mc:Choice Requires="a14">
           <p:sp>
             <p:nvSpPr>
               <p:cNvPr id="10" name="TextBox 9">
@@ -6415,7 +10094,7 @@
             </p:txBody>
           </p:sp>
         </mc:Choice>
-        <mc:Fallback>
+        <mc:Fallback xmlns="">
           <p:sp>
             <p:nvSpPr>
               <p:cNvPr id="10" name="TextBox 9">
@@ -6473,7 +10152,7 @@
 </p:sld>
 </file>
 
-<file path=ppt/slides/slide4.xml><?xml version="1.0" encoding="utf-8"?>
+<file path=ppt/slides/slide5.xml><?xml version="1.0" encoding="utf-8"?>
 <p:sld xmlns:a="http://schemas.openxmlformats.org/drawingml/2006/main" xmlns:r="http://schemas.openxmlformats.org/officeDocument/2006/relationships" xmlns:p="http://schemas.openxmlformats.org/presentationml/2006/main">
   <p:cSld>
     <p:spTree>
@@ -6527,8 +10206,8 @@
           </a:p>
         </p:txBody>
       </p:sp>
-      <mc:AlternateContent xmlns:mc="http://schemas.openxmlformats.org/markup-compatibility/2006">
-        <mc:Choice xmlns:a14="http://schemas.microsoft.com/office/drawing/2010/main" Requires="a14">
+      <mc:AlternateContent xmlns:mc="http://schemas.openxmlformats.org/markup-compatibility/2006" xmlns:a14="http://schemas.microsoft.com/office/drawing/2010/main">
+        <mc:Choice Requires="a14">
           <p:sp>
             <p:nvSpPr>
               <p:cNvPr id="6" name="TextBox 5">
@@ -6567,6 +10246,7 @@
                 </a:r>
               </a:p>
               <a:p>
+                <a:pPr/>
                 <a14:m>
                   <m:oMathPara xmlns:m="http://schemas.openxmlformats.org/officeDocument/2006/math">
                     <m:oMathParaPr>
@@ -6576,36 +10256,50 @@
                       <m:sSup>
                         <m:sSupPr>
                           <m:ctrlPr>
-                            <a:rPr lang="ar-AE" altLang="ko-KR"/>
+                            <a:rPr lang="ar-AE" altLang="ko-KR" i="1">
+                              <a:latin typeface="Cambria Math" panose="02040503050406030204" pitchFamily="18" charset="0"/>
+                            </a:rPr>
                           </m:ctrlPr>
                         </m:sSupPr>
                         <m:e>
                           <m:r>
-                            <a:rPr lang="ko-KR" altLang="ar-AE" i="1"/>
+                            <a:rPr lang="ko-KR" altLang="ar-AE" i="1">
+                              <a:latin typeface="Cambria Math" panose="02040503050406030204" pitchFamily="18" charset="0"/>
+                            </a:rPr>
                             <m:t>𝐴</m:t>
                           </m:r>
                         </m:e>
                         <m:sup>
                           <m:r>
-                            <a:rPr lang="ar-AE" altLang="ko-KR"/>
+                            <a:rPr lang="ar-AE" altLang="ko-KR">
+                              <a:latin typeface="Cambria Math" panose="02040503050406030204" pitchFamily="18" charset="0"/>
+                            </a:rPr>
                             <m:t>−</m:t>
                           </m:r>
                           <m:r>
-                            <a:rPr lang="ar-AE" altLang="ko-KR"/>
+                            <a:rPr lang="ar-AE" altLang="ko-KR">
+                              <a:latin typeface="Cambria Math" panose="02040503050406030204" pitchFamily="18" charset="0"/>
+                            </a:rPr>
                             <m:t>1</m:t>
                           </m:r>
                         </m:sup>
                       </m:sSup>
                       <m:r>
-                        <a:rPr lang="ko-KR" altLang="ar-AE" i="1"/>
+                        <a:rPr lang="ko-KR" altLang="ar-AE" i="1">
+                          <a:latin typeface="Cambria Math" panose="02040503050406030204" pitchFamily="18" charset="0"/>
+                        </a:rPr>
                         <m:t>𝐴</m:t>
                       </m:r>
                       <m:r>
-                        <a:rPr lang="ar-AE" altLang="ko-KR"/>
+                        <a:rPr lang="ar-AE" altLang="ko-KR">
+                          <a:latin typeface="Cambria Math" panose="02040503050406030204" pitchFamily="18" charset="0"/>
+                        </a:rPr>
                         <m:t>=</m:t>
                       </m:r>
                       <m:r>
-                        <a:rPr lang="ko-KR" altLang="ar-AE" i="1"/>
+                        <a:rPr lang="ko-KR" altLang="ar-AE" i="1">
+                          <a:latin typeface="Cambria Math" panose="02040503050406030204" pitchFamily="18" charset="0"/>
+                        </a:rPr>
                         <m:t>𝐼</m:t>
                       </m:r>
                     </m:oMath>
@@ -7179,7 +10873,7 @@
             </p:txBody>
           </p:sp>
         </mc:Choice>
-        <mc:Fallback>
+        <mc:Fallback xmlns="">
           <p:sp>
             <p:nvSpPr>
               <p:cNvPr id="6" name="TextBox 5">
@@ -7237,7 +10931,7 @@
 </p:sld>
 </file>
 
-<file path=ppt/slides/slide5.xml><?xml version="1.0" encoding="utf-8"?>
+<file path=ppt/slides/slide6.xml><?xml version="1.0" encoding="utf-8"?>
 <p:sld xmlns:a="http://schemas.openxmlformats.org/drawingml/2006/main" xmlns:r="http://schemas.openxmlformats.org/officeDocument/2006/relationships" xmlns:p="http://schemas.openxmlformats.org/presentationml/2006/main">
   <p:cSld>
     <p:spTree>
@@ -7291,8 +10985,8 @@
           </a:p>
         </p:txBody>
       </p:sp>
-      <mc:AlternateContent xmlns:mc="http://schemas.openxmlformats.org/markup-compatibility/2006">
-        <mc:Choice xmlns:a14="http://schemas.microsoft.com/office/drawing/2010/main" Requires="a14">
+      <mc:AlternateContent xmlns:mc="http://schemas.openxmlformats.org/markup-compatibility/2006" xmlns:a14="http://schemas.microsoft.com/office/drawing/2010/main">
+        <mc:Choice Requires="a14">
           <p:sp>
             <p:nvSpPr>
               <p:cNvPr id="4" name="TextBox 3">
@@ -8207,7 +11901,7 @@
             </p:txBody>
           </p:sp>
         </mc:Choice>
-        <mc:Fallback>
+        <mc:Fallback xmlns="">
           <p:sp>
             <p:nvSpPr>
               <p:cNvPr id="4" name="TextBox 3">
@@ -8299,8 +11993,8 @@
           </a:extLst>
         </p:spPr>
       </p:pic>
-      <mc:AlternateContent xmlns:mc="http://schemas.openxmlformats.org/markup-compatibility/2006">
-        <mc:Choice xmlns:a14="http://schemas.microsoft.com/office/drawing/2010/main" Requires="a14">
+      <mc:AlternateContent xmlns:mc="http://schemas.openxmlformats.org/markup-compatibility/2006" xmlns:a14="http://schemas.microsoft.com/office/drawing/2010/main">
+        <mc:Choice Requires="a14">
           <p:sp>
             <p:nvSpPr>
               <p:cNvPr id="6" name="TextBox 5">
@@ -8468,7 +12162,7 @@
             </p:txBody>
           </p:sp>
         </mc:Choice>
-        <mc:Fallback>
+        <mc:Fallback xmlns="">
           <p:sp>
             <p:nvSpPr>
               <p:cNvPr id="6" name="TextBox 5">
@@ -8526,7 +12220,7 @@
 </p:sld>
 </file>
 
-<file path=ppt/slides/slide6.xml><?xml version="1.0" encoding="utf-8"?>
+<file path=ppt/slides/slide7.xml><?xml version="1.0" encoding="utf-8"?>
 <p:sld xmlns:a="http://schemas.openxmlformats.org/drawingml/2006/main" xmlns:r="http://schemas.openxmlformats.org/officeDocument/2006/relationships" xmlns:p="http://schemas.openxmlformats.org/presentationml/2006/main">
   <p:cSld>
     <p:spTree>
@@ -8575,8 +12269,8 @@
           </a:p>
         </p:txBody>
       </p:sp>
-      <mc:AlternateContent xmlns:mc="http://schemas.openxmlformats.org/markup-compatibility/2006">
-        <mc:Choice xmlns:a14="http://schemas.microsoft.com/office/drawing/2010/main" Requires="a14">
+      <mc:AlternateContent xmlns:mc="http://schemas.openxmlformats.org/markup-compatibility/2006" xmlns:a14="http://schemas.microsoft.com/office/drawing/2010/main">
+        <mc:Choice Requires="a14">
           <p:sp>
             <p:nvSpPr>
               <p:cNvPr id="4" name="TextBox 3">
@@ -8930,7 +12624,7 @@
             </p:txBody>
           </p:sp>
         </mc:Choice>
-        <mc:Fallback>
+        <mc:Fallback xmlns="">
           <p:sp>
             <p:nvSpPr>
               <p:cNvPr id="4" name="TextBox 3">
@@ -8975,8 +12669,8 @@
           </p:sp>
         </mc:Fallback>
       </mc:AlternateContent>
-      <mc:AlternateContent xmlns:mc="http://schemas.openxmlformats.org/markup-compatibility/2006">
-        <mc:Choice xmlns:a14="http://schemas.microsoft.com/office/drawing/2010/main" Requires="a14">
+      <mc:AlternateContent xmlns:mc="http://schemas.openxmlformats.org/markup-compatibility/2006" xmlns:a14="http://schemas.microsoft.com/office/drawing/2010/main">
+        <mc:Choice Requires="a14">
           <p:sp>
             <p:nvSpPr>
               <p:cNvPr id="6" name="TextBox 5">
@@ -9732,7 +13426,7 @@
             </p:txBody>
           </p:sp>
         </mc:Choice>
-        <mc:Fallback>
+        <mc:Fallback xmlns="">
           <p:sp>
             <p:nvSpPr>
               <p:cNvPr id="6" name="TextBox 5">
@@ -9790,7 +13484,7 @@
 </p:sld>
 </file>
 
-<file path=ppt/slides/slide7.xml><?xml version="1.0" encoding="utf-8"?>
+<file path=ppt/slides/slide8.xml><?xml version="1.0" encoding="utf-8"?>
 <p:sld xmlns:a="http://schemas.openxmlformats.org/drawingml/2006/main" xmlns:r="http://schemas.openxmlformats.org/officeDocument/2006/relationships" xmlns:p="http://schemas.openxmlformats.org/presentationml/2006/main">
   <p:cSld>
     <p:spTree>
@@ -9965,7 +13659,7 @@
 </p:sld>
 </file>
 
-<file path=ppt/slides/slide8.xml><?xml version="1.0" encoding="utf-8"?>
+<file path=ppt/slides/slide9.xml><?xml version="1.0" encoding="utf-8"?>
 <p:sld xmlns:a="http://schemas.openxmlformats.org/drawingml/2006/main" xmlns:r="http://schemas.openxmlformats.org/officeDocument/2006/relationships" xmlns:p="http://schemas.openxmlformats.org/presentationml/2006/main">
   <p:cSld>
     <p:spTree>
@@ -10015,8 +13709,8 @@
           </a:p>
         </p:txBody>
       </p:sp>
-      <mc:AlternateContent xmlns:mc="http://schemas.openxmlformats.org/markup-compatibility/2006">
-        <mc:Choice xmlns:a14="http://schemas.microsoft.com/office/drawing/2010/main" Requires="a14">
+      <mc:AlternateContent xmlns:mc="http://schemas.openxmlformats.org/markup-compatibility/2006" xmlns:a14="http://schemas.microsoft.com/office/drawing/2010/main">
+        <mc:Choice Requires="a14">
           <p:sp>
             <p:nvSpPr>
               <p:cNvPr id="4" name="TextBox 3">
@@ -10209,7 +13903,7 @@
             </p:txBody>
           </p:sp>
         </mc:Choice>
-        <mc:Fallback>
+        <mc:Fallback xmlns="">
           <p:sp>
             <p:nvSpPr>
               <p:cNvPr id="4" name="TextBox 3">
@@ -10258,355 +13952,6 @@
     <p:extLst>
       <p:ext uri="{BB962C8B-B14F-4D97-AF65-F5344CB8AC3E}">
         <p14:creationId xmlns:p14="http://schemas.microsoft.com/office/powerpoint/2010/main" val="4114756412"/>
-      </p:ext>
-    </p:extLst>
-  </p:cSld>
-  <p:clrMapOvr>
-    <a:masterClrMapping/>
-  </p:clrMapOvr>
-</p:sld>
-</file>
-
-<file path=ppt/slides/slide9.xml><?xml version="1.0" encoding="utf-8"?>
-<p:sld xmlns:a="http://schemas.openxmlformats.org/drawingml/2006/main" xmlns:r="http://schemas.openxmlformats.org/officeDocument/2006/relationships" xmlns:p="http://schemas.openxmlformats.org/presentationml/2006/main">
-  <p:cSld>
-    <p:spTree>
-      <p:nvGrpSpPr>
-        <p:cNvPr id="1" name=""/>
-        <p:cNvGrpSpPr/>
-        <p:nvPr/>
-      </p:nvGrpSpPr>
-      <p:grpSpPr>
-        <a:xfrm>
-          <a:off x="0" y="0"/>
-          <a:ext cx="0" cy="0"/>
-          <a:chOff x="0" y="0"/>
-          <a:chExt cx="0" cy="0"/>
-        </a:xfrm>
-      </p:grpSpPr>
-      <p:sp>
-        <p:nvSpPr>
-          <p:cNvPr id="2" name="제목 1">
-            <a:extLst>
-              <a:ext uri="{FF2B5EF4-FFF2-40B4-BE49-F238E27FC236}">
-                <a16:creationId xmlns:a16="http://schemas.microsoft.com/office/drawing/2014/main" id="{173E0BBA-2112-2DDF-C1A3-9EABCA3BA330}"/>
-              </a:ext>
-            </a:extLst>
-          </p:cNvPr>
-          <p:cNvSpPr>
-            <a:spLocks noGrp="1"/>
-          </p:cNvSpPr>
-          <p:nvPr>
-            <p:ph type="title"/>
-          </p:nvPr>
-        </p:nvSpPr>
-        <p:spPr/>
-        <p:txBody>
-          <a:bodyPr/>
-          <a:lstStyle/>
-          <a:p>
-            <a:endParaRPr lang="ko-KR" altLang="en-US"/>
-          </a:p>
-        </p:txBody>
-      </p:sp>
-      <mc:AlternateContent xmlns:mc="http://schemas.openxmlformats.org/markup-compatibility/2006">
-        <mc:Choice xmlns:a14="http://schemas.microsoft.com/office/drawing/2010/main" Requires="a14">
-          <p:sp>
-            <p:nvSpPr>
-              <p:cNvPr id="4" name="TextBox 3">
-                <a:extLst>
-                  <a:ext uri="{FF2B5EF4-FFF2-40B4-BE49-F238E27FC236}">
-                    <a16:creationId xmlns:a16="http://schemas.microsoft.com/office/drawing/2014/main" id="{067837FD-498F-789A-658E-42D75B1DE47B}"/>
-                  </a:ext>
-                </a:extLst>
-              </p:cNvPr>
-              <p:cNvSpPr txBox="1"/>
-              <p:nvPr/>
-            </p:nvSpPr>
-            <p:spPr>
-              <a:xfrm>
-                <a:off x="781216" y="2227130"/>
-                <a:ext cx="9531626" cy="1754326"/>
-              </a:xfrm>
-              <a:prstGeom prst="rect">
-                <a:avLst/>
-              </a:prstGeom>
-              <a:noFill/>
-            </p:spPr>
-            <p:txBody>
-              <a:bodyPr wrap="square">
-                <a:spAutoFit/>
-              </a:bodyPr>
-              <a:lstStyle/>
-              <a:p>
-                <a:pPr>
-                  <a:buNone/>
-                </a:pPr>
-                <a:r>
-                  <a:rPr lang="ko-KR" altLang="en-US" b="1" dirty="0"/>
-                  <a:t>그래픽스에서 꼭 기억할 것</a:t>
-                </a:r>
-              </a:p>
-              <a:p>
-                <a:pPr>
-                  <a:buFont typeface="+mj-lt"/>
-                  <a:buAutoNum type="arabicPeriod"/>
-                </a:pPr>
-                <a:r>
-                  <a:rPr lang="ko-KR" altLang="en-US" b="1" dirty="0"/>
-                  <a:t>곱 순서 중요</a:t>
-                </a:r>
-                <a:r>
-                  <a:rPr lang="en-US" altLang="ko-KR" dirty="0"/>
-                  <a:t>: </a:t>
-                </a:r>
-                <a:r>
-                  <a:rPr lang="ko-KR" altLang="en-US" dirty="0"/>
-                  <a:t>이동</a:t>
-                </a:r>
-                <a:r>
-                  <a:rPr lang="en-US" altLang="ko-KR" dirty="0"/>
-                  <a:t>·</a:t>
-                </a:r>
-                <a:r>
-                  <a:rPr lang="ko-KR" altLang="en-US" dirty="0"/>
-                  <a:t>회전</a:t>
-                </a:r>
-                <a:r>
-                  <a:rPr lang="en-US" altLang="ko-KR" dirty="0"/>
-                  <a:t>·</a:t>
-                </a:r>
-                <a:r>
-                  <a:rPr lang="ko-KR" altLang="en-US" dirty="0"/>
-                  <a:t>스케일 순서에 따라 결과가 달라짐</a:t>
-                </a:r>
-                <a:r>
-                  <a:rPr lang="en-US" altLang="ko-KR" dirty="0"/>
-                  <a:t>.</a:t>
-                </a:r>
-              </a:p>
-              <a:p>
-                <a:pPr>
-                  <a:buFont typeface="+mj-lt"/>
-                  <a:buAutoNum type="arabicPeriod"/>
-                </a:pPr>
-                <a:r>
-                  <a:rPr lang="ko-KR" altLang="en-US" b="1" dirty="0"/>
-                  <a:t>역행렬은 순서를 뒤집음</a:t>
-                </a:r>
-                <a:r>
-                  <a:rPr lang="en-US" altLang="ko-KR" dirty="0"/>
-                  <a:t>: </a:t>
-                </a:r>
-                <a:r>
-                  <a:rPr lang="ko-KR" altLang="en-US" dirty="0"/>
-                  <a:t>좌표계 변환할 때 필수</a:t>
-                </a:r>
-                <a:r>
-                  <a:rPr lang="en-US" altLang="ko-KR" dirty="0"/>
-                  <a:t>.</a:t>
-                </a:r>
-              </a:p>
-              <a:p>
-                <a:pPr>
-                  <a:buFont typeface="+mj-lt"/>
-                  <a:buAutoNum type="arabicPeriod"/>
-                </a:pPr>
-                <a:r>
-                  <a:rPr lang="ko-KR" altLang="en-US" b="1" dirty="0"/>
-                  <a:t>전치는 순서 뒤집음</a:t>
-                </a:r>
-                <a:r>
-                  <a:rPr lang="en-US" altLang="ko-KR" dirty="0"/>
-                  <a:t>: Normal Matrix</a:t>
-                </a:r>
-                <a:r>
-                  <a:rPr lang="ko-KR" altLang="en-US" dirty="0"/>
-                  <a:t>가 나오는 이유</a:t>
-                </a:r>
-                <a:r>
-                  <a:rPr lang="en-US" altLang="ko-KR" dirty="0"/>
-                  <a:t>.</a:t>
-                </a:r>
-              </a:p>
-              <a:p>
-                <a:pPr>
-                  <a:buFont typeface="+mj-lt"/>
-                  <a:buAutoNum type="arabicPeriod"/>
-                </a:pPr>
-                <a:r>
-                  <a:rPr lang="ko-KR" altLang="en-US" b="1" dirty="0"/>
-                  <a:t>회전행렬은 특별하다</a:t>
-                </a:r>
-                <a:r>
-                  <a:rPr lang="en-US" altLang="ko-KR" dirty="0"/>
-                  <a:t>: </a:t>
-                </a:r>
-                <a14:m>
-                  <m:oMath xmlns:m="http://schemas.openxmlformats.org/officeDocument/2006/math">
-                    <m:sSup>
-                      <m:sSupPr>
-                        <m:ctrlPr>
-                          <a:rPr lang="ko-KR" altLang="en-US" i="1">
-                            <a:latin typeface="Cambria Math" panose="02040503050406030204" pitchFamily="18" charset="0"/>
-                          </a:rPr>
-                        </m:ctrlPr>
-                      </m:sSupPr>
-                      <m:e>
-                        <m:r>
-                          <a:rPr lang="ko-KR" altLang="en-US" i="1">
-                            <a:latin typeface="Cambria Math" panose="02040503050406030204" pitchFamily="18" charset="0"/>
-                          </a:rPr>
-                          <m:t>𝑅</m:t>
-                        </m:r>
-                      </m:e>
-                      <m:sup>
-                        <m:r>
-                          <a:rPr lang="ko-KR" altLang="en-US" i="0">
-                            <a:latin typeface="Cambria Math" panose="02040503050406030204" pitchFamily="18" charset="0"/>
-                          </a:rPr>
-                          <m:t>−</m:t>
-                        </m:r>
-                        <m:r>
-                          <a:rPr lang="en-US" altLang="ko-KR" i="0">
-                            <a:latin typeface="Cambria Math" panose="02040503050406030204" pitchFamily="18" charset="0"/>
-                          </a:rPr>
-                          <m:t>1</m:t>
-                        </m:r>
-                      </m:sup>
-                    </m:sSup>
-                    <m:r>
-                      <a:rPr lang="en-US" altLang="ko-KR" i="0">
-                        <a:latin typeface="Cambria Math" panose="02040503050406030204" pitchFamily="18" charset="0"/>
-                      </a:rPr>
-                      <m:t>=</m:t>
-                    </m:r>
-                    <m:sSup>
-                      <m:sSupPr>
-                        <m:ctrlPr>
-                          <a:rPr lang="ko-KR" altLang="en-US" i="1">
-                            <a:latin typeface="Cambria Math" panose="02040503050406030204" pitchFamily="18" charset="0"/>
-                          </a:rPr>
-                        </m:ctrlPr>
-                      </m:sSupPr>
-                      <m:e>
-                        <m:r>
-                          <a:rPr lang="ko-KR" altLang="en-US" i="1">
-                            <a:latin typeface="Cambria Math" panose="02040503050406030204" pitchFamily="18" charset="0"/>
-                          </a:rPr>
-                          <m:t>𝑅</m:t>
-                        </m:r>
-                      </m:e>
-                      <m:sup>
-                        <m:r>
-                          <a:rPr lang="ko-KR" altLang="en-US" i="1">
-                            <a:latin typeface="Cambria Math" panose="02040503050406030204" pitchFamily="18" charset="0"/>
-                          </a:rPr>
-                          <m:t>𝑇</m:t>
-                        </m:r>
-                      </m:sup>
-                    </m:sSup>
-                  </m:oMath>
-                </a14:m>
-                <a:r>
-                  <a:rPr lang="en-US" altLang="ko-KR" dirty="0"/>
-                  <a:t>.</a:t>
-                </a:r>
-              </a:p>
-              <a:p>
-                <a:pPr>
-                  <a:buFont typeface="+mj-lt"/>
-                  <a:buAutoNum type="arabicPeriod"/>
-                </a:pPr>
-                <a:r>
-                  <a:rPr lang="ko-KR" altLang="en-US" b="1" dirty="0"/>
-                  <a:t>항상 결합법칙 </a:t>
-                </a:r>
-                <a:r>
-                  <a:rPr lang="en-US" altLang="ko-KR" b="1" dirty="0"/>
-                  <a:t>O, </a:t>
-                </a:r>
-                <a:r>
-                  <a:rPr lang="ko-KR" altLang="en-US" b="1" dirty="0"/>
-                  <a:t>교환법칙 </a:t>
-                </a:r>
-                <a:r>
-                  <a:rPr lang="en-US" altLang="ko-KR" b="1" dirty="0"/>
-                  <a:t>X</a:t>
-                </a:r>
-                <a:r>
-                  <a:rPr lang="en-US" altLang="ko-KR" dirty="0"/>
-                  <a:t>: </a:t>
-                </a:r>
-                <a:r>
-                  <a:rPr lang="ko-KR" altLang="en-US" dirty="0"/>
-                  <a:t>합칠 수는 있지만</a:t>
-                </a:r>
-                <a:r>
-                  <a:rPr lang="en-US" altLang="ko-KR" dirty="0"/>
-                  <a:t>, </a:t>
-                </a:r>
-                <a:r>
-                  <a:rPr lang="ko-KR" altLang="en-US" dirty="0"/>
-                  <a:t>순서는 지켜야 함</a:t>
-                </a:r>
-                <a:r>
-                  <a:rPr lang="en-US" altLang="ko-KR" dirty="0"/>
-                  <a:t>.</a:t>
-                </a:r>
-              </a:p>
-            </p:txBody>
-          </p:sp>
-        </mc:Choice>
-        <mc:Fallback>
-          <p:sp>
-            <p:nvSpPr>
-              <p:cNvPr id="4" name="TextBox 3">
-                <a:extLst>
-                  <a:ext uri="{FF2B5EF4-FFF2-40B4-BE49-F238E27FC236}">
-                    <a16:creationId xmlns:a16="http://schemas.microsoft.com/office/drawing/2014/main" id="{067837FD-498F-789A-658E-42D75B1DE47B}"/>
-                  </a:ext>
-                </a:extLst>
-              </p:cNvPr>
-              <p:cNvSpPr txBox="1">
-                <a:spLocks noRot="1" noChangeAspect="1" noMove="1" noResize="1" noEditPoints="1" noAdjustHandles="1" noChangeArrowheads="1" noChangeShapeType="1" noTextEdit="1"/>
-              </p:cNvSpPr>
-              <p:nvPr/>
-            </p:nvSpPr>
-            <p:spPr>
-              <a:xfrm>
-                <a:off x="781216" y="2227130"/>
-                <a:ext cx="9531626" cy="1754326"/>
-              </a:xfrm>
-              <a:prstGeom prst="rect">
-                <a:avLst/>
-              </a:prstGeom>
-              <a:blipFill>
-                <a:blip r:embed="rId2"/>
-                <a:stretch>
-                  <a:fillRect l="-639" t="-1736" b="-5556"/>
-                </a:stretch>
-              </a:blipFill>
-            </p:spPr>
-            <p:txBody>
-              <a:bodyPr/>
-              <a:lstStyle/>
-              <a:p>
-                <a:r>
-                  <a:rPr lang="ko-KR" altLang="en-US">
-                    <a:noFill/>
-                  </a:rPr>
-                  <a:t> </a:t>
-                </a:r>
-              </a:p>
-            </p:txBody>
-          </p:sp>
-        </mc:Fallback>
-      </mc:AlternateContent>
-    </p:spTree>
-    <p:extLst>
-      <p:ext uri="{BB962C8B-B14F-4D97-AF65-F5344CB8AC3E}">
-        <p14:creationId xmlns:p14="http://schemas.microsoft.com/office/powerpoint/2010/main" val="4076112099"/>
       </p:ext>
     </p:extLst>
   </p:cSld>
